--- a/Coderetreat - Printouts.pptx
+++ b/Coderetreat - Printouts.pptx
@@ -3932,6 +3932,390 @@
           </a:p>
         </p:txBody>
       </p:sp>
+      <p:sp>
+        <p:nvSpPr>
+          <p:cNvPr id="3" name="Rounded Rectangle 2">
+            <a:extLst>
+              <a:ext uri="{FF2B5EF4-FFF2-40B4-BE49-F238E27FC236}">
+                <a16:creationId xmlns:a16="http://schemas.microsoft.com/office/drawing/2014/main" id="{3E6E687A-76DA-3551-17D0-68216995ADF8}"/>
+              </a:ext>
+            </a:extLst>
+          </p:cNvPr>
+          <p:cNvSpPr/>
+          <p:nvPr/>
+        </p:nvSpPr>
+        <p:spPr>
+          <a:xfrm>
+            <a:off x="6357505" y="3539052"/>
+            <a:ext cx="2386387" cy="201164"/>
+          </a:xfrm>
+          <a:prstGeom prst="roundRect">
+            <a:avLst>
+              <a:gd name="adj" fmla="val 35714"/>
+            </a:avLst>
+          </a:prstGeom>
+          <a:solidFill>
+            <a:schemeClr val="bg1"/>
+          </a:solidFill>
+          <a:ln>
+            <a:noFill/>
+          </a:ln>
+        </p:spPr>
+        <p:style>
+          <a:lnRef idx="2">
+            <a:schemeClr val="accent1">
+              <a:shade val="15000"/>
+            </a:schemeClr>
+          </a:lnRef>
+          <a:fillRef idx="1">
+            <a:schemeClr val="accent1"/>
+          </a:fillRef>
+          <a:effectRef idx="0">
+            <a:schemeClr val="accent1"/>
+          </a:effectRef>
+          <a:fontRef idx="minor">
+            <a:schemeClr val="lt1"/>
+          </a:fontRef>
+        </p:style>
+        <p:txBody>
+          <a:bodyPr rtlCol="0" anchor="ctr"/>
+          <a:lstStyle/>
+          <a:p>
+            <a:pPr algn="ctr"/>
+            <a:endParaRPr lang="en-US"/>
+          </a:p>
+        </p:txBody>
+      </p:sp>
+      <p:sp>
+        <p:nvSpPr>
+          <p:cNvPr id="6" name="PASS">
+            <a:extLst>
+              <a:ext uri="{FF2B5EF4-FFF2-40B4-BE49-F238E27FC236}">
+                <a16:creationId xmlns:a16="http://schemas.microsoft.com/office/drawing/2014/main" id="{24BDF8BE-F143-79D2-45D9-389467FFD7AA}"/>
+              </a:ext>
+            </a:extLst>
+          </p:cNvPr>
+          <p:cNvSpPr txBox="1"/>
+          <p:nvPr/>
+        </p:nvSpPr>
+        <p:spPr>
+          <a:xfrm>
+            <a:off x="6202762" y="3539052"/>
+            <a:ext cx="772969" cy="425181"/>
+          </a:xfrm>
+          <a:prstGeom prst="rect">
+            <a:avLst/>
+          </a:prstGeom>
+          <a:noFill/>
+        </p:spPr>
+        <p:txBody>
+          <a:bodyPr wrap="none" rtlCol="0">
+            <a:spAutoFit/>
+          </a:bodyPr>
+          <a:lstStyle/>
+          <a:p>
+            <a:pPr algn="ctr">
+              <a:lnSpc>
+                <a:spcPct val="70000"/>
+              </a:lnSpc>
+            </a:pPr>
+            <a:r>
+              <a:rPr lang="en-US" sz="1600" b="1" dirty="0" err="1">
+                <a:solidFill>
+                  <a:schemeClr val="tx1">
+                    <a:lumMod val="95000"/>
+                    <a:lumOff val="5000"/>
+                  </a:schemeClr>
+                </a:solidFill>
+              </a:rPr>
+              <a:t>Typer</a:t>
+            </a:r>
+            <a:endParaRPr lang="en-US" sz="1600" b="1" dirty="0">
+              <a:solidFill>
+                <a:schemeClr val="tx1">
+                  <a:lumMod val="95000"/>
+                  <a:lumOff val="5000"/>
+                </a:schemeClr>
+              </a:solidFill>
+            </a:endParaRPr>
+          </a:p>
+          <a:p>
+            <a:pPr algn="ctr">
+              <a:lnSpc>
+                <a:spcPct val="70000"/>
+              </a:lnSpc>
+            </a:pPr>
+            <a:r>
+              <a:rPr lang="en-US" sz="1400" i="1" dirty="0">
+                <a:solidFill>
+                  <a:schemeClr val="tx1">
+                    <a:lumMod val="50000"/>
+                    <a:lumOff val="50000"/>
+                  </a:schemeClr>
+                </a:solidFill>
+              </a:rPr>
+              <a:t>(Driver) </a:t>
+            </a:r>
+          </a:p>
+        </p:txBody>
+      </p:sp>
+      <p:sp>
+        <p:nvSpPr>
+          <p:cNvPr id="9" name="PASS">
+            <a:extLst>
+              <a:ext uri="{FF2B5EF4-FFF2-40B4-BE49-F238E27FC236}">
+                <a16:creationId xmlns:a16="http://schemas.microsoft.com/office/drawing/2014/main" id="{1CC3AE7F-7995-2A8D-9FCD-FE95CE90529E}"/>
+              </a:ext>
+            </a:extLst>
+          </p:cNvPr>
+          <p:cNvSpPr txBox="1"/>
+          <p:nvPr/>
+        </p:nvSpPr>
+        <p:spPr>
+          <a:xfrm>
+            <a:off x="7699256" y="3507137"/>
+            <a:ext cx="1101006" cy="425181"/>
+          </a:xfrm>
+          <a:prstGeom prst="rect">
+            <a:avLst/>
+          </a:prstGeom>
+          <a:noFill/>
+        </p:spPr>
+        <p:txBody>
+          <a:bodyPr wrap="none" rtlCol="0">
+            <a:spAutoFit/>
+          </a:bodyPr>
+          <a:lstStyle/>
+          <a:p>
+            <a:pPr algn="ctr">
+              <a:lnSpc>
+                <a:spcPct val="70000"/>
+              </a:lnSpc>
+            </a:pPr>
+            <a:r>
+              <a:rPr lang="en-US" sz="1600" b="1" dirty="0">
+                <a:solidFill>
+                  <a:schemeClr val="tx1">
+                    <a:lumMod val="95000"/>
+                    <a:lumOff val="5000"/>
+                  </a:schemeClr>
+                </a:solidFill>
+              </a:rPr>
+              <a:t>Talker</a:t>
+            </a:r>
+          </a:p>
+          <a:p>
+            <a:pPr algn="ctr">
+              <a:lnSpc>
+                <a:spcPct val="70000"/>
+              </a:lnSpc>
+            </a:pPr>
+            <a:r>
+              <a:rPr lang="en-US" sz="1400" i="1" dirty="0">
+                <a:solidFill>
+                  <a:schemeClr val="tx1">
+                    <a:lumMod val="50000"/>
+                    <a:lumOff val="50000"/>
+                  </a:schemeClr>
+                </a:solidFill>
+              </a:rPr>
+              <a:t> (Navigator) </a:t>
+            </a:r>
+          </a:p>
+        </p:txBody>
+      </p:sp>
+      <p:sp>
+        <p:nvSpPr>
+          <p:cNvPr id="10" name="Rounded Rectangle 9">
+            <a:extLst>
+              <a:ext uri="{FF2B5EF4-FFF2-40B4-BE49-F238E27FC236}">
+                <a16:creationId xmlns:a16="http://schemas.microsoft.com/office/drawing/2014/main" id="{F1916114-C33B-7C72-AC2A-75CD50B1D7C3}"/>
+              </a:ext>
+            </a:extLst>
+          </p:cNvPr>
+          <p:cNvSpPr/>
+          <p:nvPr/>
+        </p:nvSpPr>
+        <p:spPr>
+          <a:xfrm>
+            <a:off x="699921" y="3516712"/>
+            <a:ext cx="2386387" cy="201164"/>
+          </a:xfrm>
+          <a:prstGeom prst="roundRect">
+            <a:avLst>
+              <a:gd name="adj" fmla="val 35714"/>
+            </a:avLst>
+          </a:prstGeom>
+          <a:solidFill>
+            <a:schemeClr val="bg1"/>
+          </a:solidFill>
+          <a:ln>
+            <a:noFill/>
+          </a:ln>
+        </p:spPr>
+        <p:style>
+          <a:lnRef idx="2">
+            <a:schemeClr val="accent1">
+              <a:shade val="15000"/>
+            </a:schemeClr>
+          </a:lnRef>
+          <a:fillRef idx="1">
+            <a:schemeClr val="accent1"/>
+          </a:fillRef>
+          <a:effectRef idx="0">
+            <a:schemeClr val="accent1"/>
+          </a:effectRef>
+          <a:fontRef idx="minor">
+            <a:schemeClr val="lt1"/>
+          </a:fontRef>
+        </p:style>
+        <p:txBody>
+          <a:bodyPr rtlCol="0" anchor="ctr"/>
+          <a:lstStyle/>
+          <a:p>
+            <a:pPr algn="ctr"/>
+            <a:endParaRPr lang="en-US"/>
+          </a:p>
+        </p:txBody>
+      </p:sp>
+      <p:sp>
+        <p:nvSpPr>
+          <p:cNvPr id="13" name="PASS">
+            <a:extLst>
+              <a:ext uri="{FF2B5EF4-FFF2-40B4-BE49-F238E27FC236}">
+                <a16:creationId xmlns:a16="http://schemas.microsoft.com/office/drawing/2014/main" id="{F68371CA-C19E-86D7-F62E-BD29341B1AD9}"/>
+              </a:ext>
+            </a:extLst>
+          </p:cNvPr>
+          <p:cNvSpPr txBox="1"/>
+          <p:nvPr/>
+        </p:nvSpPr>
+        <p:spPr>
+          <a:xfrm>
+            <a:off x="545178" y="3516712"/>
+            <a:ext cx="772969" cy="425181"/>
+          </a:xfrm>
+          <a:prstGeom prst="rect">
+            <a:avLst/>
+          </a:prstGeom>
+          <a:noFill/>
+        </p:spPr>
+        <p:txBody>
+          <a:bodyPr wrap="none" rtlCol="0">
+            <a:spAutoFit/>
+          </a:bodyPr>
+          <a:lstStyle/>
+          <a:p>
+            <a:pPr algn="ctr">
+              <a:lnSpc>
+                <a:spcPct val="70000"/>
+              </a:lnSpc>
+            </a:pPr>
+            <a:r>
+              <a:rPr lang="en-US" sz="1600" b="1" dirty="0" err="1">
+                <a:solidFill>
+                  <a:schemeClr val="tx1">
+                    <a:lumMod val="95000"/>
+                    <a:lumOff val="5000"/>
+                  </a:schemeClr>
+                </a:solidFill>
+              </a:rPr>
+              <a:t>Typer</a:t>
+            </a:r>
+            <a:endParaRPr lang="en-US" sz="1600" b="1" dirty="0">
+              <a:solidFill>
+                <a:schemeClr val="tx1">
+                  <a:lumMod val="95000"/>
+                  <a:lumOff val="5000"/>
+                </a:schemeClr>
+              </a:solidFill>
+            </a:endParaRPr>
+          </a:p>
+          <a:p>
+            <a:pPr algn="ctr">
+              <a:lnSpc>
+                <a:spcPct val="70000"/>
+              </a:lnSpc>
+            </a:pPr>
+            <a:r>
+              <a:rPr lang="en-US" sz="1400" i="1" dirty="0">
+                <a:solidFill>
+                  <a:schemeClr val="tx1">
+                    <a:lumMod val="50000"/>
+                    <a:lumOff val="50000"/>
+                  </a:schemeClr>
+                </a:solidFill>
+              </a:rPr>
+              <a:t>(Driver) </a:t>
+            </a:r>
+          </a:p>
+        </p:txBody>
+      </p:sp>
+      <p:sp>
+        <p:nvSpPr>
+          <p:cNvPr id="15" name="PASS">
+            <a:extLst>
+              <a:ext uri="{FF2B5EF4-FFF2-40B4-BE49-F238E27FC236}">
+                <a16:creationId xmlns:a16="http://schemas.microsoft.com/office/drawing/2014/main" id="{8FAB7030-800B-4C9A-6444-B625545F8330}"/>
+              </a:ext>
+            </a:extLst>
+          </p:cNvPr>
+          <p:cNvSpPr txBox="1"/>
+          <p:nvPr/>
+        </p:nvSpPr>
+        <p:spPr>
+          <a:xfrm>
+            <a:off x="2041672" y="3484797"/>
+            <a:ext cx="1101006" cy="425181"/>
+          </a:xfrm>
+          <a:prstGeom prst="rect">
+            <a:avLst/>
+          </a:prstGeom>
+          <a:noFill/>
+        </p:spPr>
+        <p:txBody>
+          <a:bodyPr wrap="none" rtlCol="0">
+            <a:spAutoFit/>
+          </a:bodyPr>
+          <a:lstStyle/>
+          <a:p>
+            <a:pPr algn="ctr">
+              <a:lnSpc>
+                <a:spcPct val="70000"/>
+              </a:lnSpc>
+            </a:pPr>
+            <a:r>
+              <a:rPr lang="en-US" sz="1600" b="1" dirty="0">
+                <a:solidFill>
+                  <a:schemeClr val="tx1">
+                    <a:lumMod val="95000"/>
+                    <a:lumOff val="5000"/>
+                  </a:schemeClr>
+                </a:solidFill>
+              </a:rPr>
+              <a:t>Talker</a:t>
+            </a:r>
+          </a:p>
+          <a:p>
+            <a:pPr algn="ctr">
+              <a:lnSpc>
+                <a:spcPct val="70000"/>
+              </a:lnSpc>
+            </a:pPr>
+            <a:r>
+              <a:rPr lang="en-US" sz="1400" i="1" dirty="0">
+                <a:solidFill>
+                  <a:schemeClr val="tx1">
+                    <a:lumMod val="50000"/>
+                    <a:lumOff val="50000"/>
+                  </a:schemeClr>
+                </a:solidFill>
+              </a:rPr>
+              <a:t> (Navigator) </a:t>
+            </a:r>
+          </a:p>
+        </p:txBody>
+      </p:sp>
     </p:spTree>
     <p:extLst>
       <p:ext uri="{BB962C8B-B14F-4D97-AF65-F5344CB8AC3E}">
@@ -5776,10 +6160,10 @@
       </p:grpSpPr>
       <p:pic>
         <p:nvPicPr>
-          <p:cNvPr id="2" name="Picture 1">
-            <a:extLst>
-              <a:ext uri="{FF2B5EF4-FFF2-40B4-BE49-F238E27FC236}">
-                <a16:creationId xmlns:a16="http://schemas.microsoft.com/office/drawing/2014/main" id="{F4E5D5B9-CB9D-056A-32D0-B95881396B9D}"/>
+          <p:cNvPr id="10" name="Picture 9" descr="A black and white frame&#10;&#10;Description automatically generated">
+            <a:extLst>
+              <a:ext uri="{FF2B5EF4-FFF2-40B4-BE49-F238E27FC236}">
+                <a16:creationId xmlns:a16="http://schemas.microsoft.com/office/drawing/2014/main" id="{A0C8722B-1595-A1A5-756F-13696864B8E2}"/>
               </a:ext>
             </a:extLst>
           </p:cNvPr>
@@ -5789,34 +6173,15 @@
           <p:nvPr/>
         </p:nvPicPr>
         <p:blipFill>
-          <a:blip r:embed="rId2">
-            <a:duotone>
-              <a:schemeClr val="bg2">
-                <a:shade val="45000"/>
-                <a:satMod val="135000"/>
-              </a:schemeClr>
-              <a:prstClr val="white"/>
-            </a:duotone>
-            <a:extLst>
-              <a:ext uri="{BEBA8EAE-BF5A-486C-A8C5-ECC9F3942E4B}">
-                <a14:imgProps xmlns:a14="http://schemas.microsoft.com/office/drawing/2010/main">
-                  <a14:imgLayer r:embed="rId3">
-                    <a14:imgEffect>
-                      <a14:saturation sat="33000"/>
-                    </a14:imgEffect>
-                  </a14:imgLayer>
-                </a14:imgProps>
-              </a:ext>
-            </a:extLst>
-          </a:blip>
+          <a:blip r:embed="rId2"/>
           <a:stretch>
             <a:fillRect/>
           </a:stretch>
         </p:blipFill>
         <p:spPr>
           <a:xfrm>
-            <a:off x="0" y="21791"/>
-            <a:ext cx="9173240" cy="6836209"/>
+            <a:off x="-13785" y="20552"/>
+            <a:ext cx="9171569" cy="6837448"/>
           </a:xfrm>
           <a:prstGeom prst="rect">
             <a:avLst/>
@@ -5825,184 +6190,28 @@
       </p:pic>
       <p:sp>
         <p:nvSpPr>
-          <p:cNvPr id="4" name="TextBox 3">
-            <a:extLst>
-              <a:ext uri="{FF2B5EF4-FFF2-40B4-BE49-F238E27FC236}">
-                <a16:creationId xmlns:a16="http://schemas.microsoft.com/office/drawing/2014/main" id="{8391529E-33C7-AA3C-B689-BED2E606D393}"/>
-              </a:ext>
-            </a:extLst>
-          </p:cNvPr>
-          <p:cNvSpPr txBox="1"/>
-          <p:nvPr/>
-        </p:nvSpPr>
-        <p:spPr>
-          <a:xfrm>
-            <a:off x="1493241" y="565587"/>
-            <a:ext cx="5957582" cy="1077218"/>
+          <p:cNvPr id="9" name="Rectangle 8">
+            <a:extLst>
+              <a:ext uri="{FF2B5EF4-FFF2-40B4-BE49-F238E27FC236}">
+                <a16:creationId xmlns:a16="http://schemas.microsoft.com/office/drawing/2014/main" id="{0C022CD0-71CA-638B-1DBC-698F61D8B296}"/>
+              </a:ext>
+            </a:extLst>
+          </p:cNvPr>
+          <p:cNvSpPr/>
+          <p:nvPr/>
+        </p:nvSpPr>
+        <p:spPr>
+          <a:xfrm>
+            <a:off x="3187817" y="1783496"/>
+            <a:ext cx="5214226" cy="1706162"/>
           </a:xfrm>
           <a:prstGeom prst="rect">
             <a:avLst/>
           </a:prstGeom>
           <a:solidFill>
-            <a:schemeClr val="bg1"/>
-          </a:solidFill>
-        </p:spPr>
-        <p:txBody>
-          <a:bodyPr wrap="square">
-            <a:spAutoFit/>
-          </a:bodyPr>
-          <a:lstStyle/>
-          <a:p>
-            <a:pPr algn="ctr"/>
-            <a:r>
-              <a:rPr lang="en-US" sz="3200" dirty="0">
-                <a:latin typeface="Elephant Pro" pitchFamily="2" charset="0"/>
-              </a:rPr>
-              <a:t>Test </a:t>
-            </a:r>
-            <a:r>
-              <a:rPr lang="en-US" sz="3200" dirty="0">
-                <a:solidFill>
-                  <a:schemeClr val="bg1">
-                    <a:lumMod val="50000"/>
-                  </a:schemeClr>
-                </a:solidFill>
-                <a:latin typeface="Fira Code" panose="020B0809050000020004" pitchFamily="49" charset="0"/>
-                <a:ea typeface="Fira Code" panose="020B0809050000020004" pitchFamily="49" charset="0"/>
-              </a:rPr>
-              <a:t>&amp;&amp;</a:t>
-            </a:r>
-            <a:r>
-              <a:rPr lang="en-US" sz="3200" dirty="0">
-                <a:latin typeface="Elephant Pro" pitchFamily="2" charset="0"/>
-              </a:rPr>
-              <a:t> Commit </a:t>
-            </a:r>
-            <a:r>
-              <a:rPr lang="en-US" sz="3200" dirty="0">
-                <a:solidFill>
-                  <a:schemeClr val="bg1">
-                    <a:lumMod val="50000"/>
-                  </a:schemeClr>
-                </a:solidFill>
-                <a:latin typeface="Fira Code" panose="020B0809050000020004" pitchFamily="49" charset="0"/>
-                <a:ea typeface="Fira Code" panose="020B0809050000020004" pitchFamily="49" charset="0"/>
-              </a:rPr>
-              <a:t>||</a:t>
-            </a:r>
-            <a:r>
-              <a:rPr lang="en-US" sz="3200" dirty="0">
-                <a:latin typeface="Elephant Pro" pitchFamily="2" charset="0"/>
-              </a:rPr>
-              <a:t> Revert </a:t>
-            </a:r>
-          </a:p>
-          <a:p>
-            <a:pPr algn="ctr"/>
-            <a:r>
-              <a:rPr lang="en-US" sz="3200" dirty="0">
-                <a:latin typeface="Elephant Pro" pitchFamily="2" charset="0"/>
-              </a:rPr>
-              <a:t>(TCR)</a:t>
-            </a:r>
-          </a:p>
-        </p:txBody>
-      </p:sp>
-      <p:sp>
-        <p:nvSpPr>
-          <p:cNvPr id="5" name="TextBox 4">
-            <a:extLst>
-              <a:ext uri="{FF2B5EF4-FFF2-40B4-BE49-F238E27FC236}">
-                <a16:creationId xmlns:a16="http://schemas.microsoft.com/office/drawing/2014/main" id="{E5B2D5C7-182D-E833-EE57-60FFF1C3526E}"/>
-              </a:ext>
-            </a:extLst>
-          </p:cNvPr>
-          <p:cNvSpPr txBox="1"/>
-          <p:nvPr/>
-        </p:nvSpPr>
-        <p:spPr>
-          <a:xfrm>
-            <a:off x="8402043" y="6068673"/>
-            <a:ext cx="437321" cy="369332"/>
-          </a:xfrm>
-          <a:prstGeom prst="rect">
-            <a:avLst/>
-          </a:prstGeom>
-          <a:noFill/>
-        </p:spPr>
-        <p:txBody>
-          <a:bodyPr wrap="square" rtlCol="0">
-            <a:spAutoFit/>
-          </a:bodyPr>
-          <a:lstStyle/>
-          <a:p>
-            <a:pPr algn="ctr"/>
-            <a:r>
-              <a:rPr lang="en-US" dirty="0">
-                <a:solidFill>
-                  <a:schemeClr val="tx1">
-                    <a:lumMod val="50000"/>
-                    <a:lumOff val="50000"/>
-                  </a:schemeClr>
-                </a:solidFill>
-              </a:rPr>
-              <a:t>1</a:t>
-            </a:r>
-          </a:p>
-        </p:txBody>
-      </p:sp>
-      <p:pic>
-        <p:nvPicPr>
-          <p:cNvPr id="12" name="Picture 11" descr="A qr code with a few black squares&#10;&#10;Description automatically generated">
-            <a:extLst>
-              <a:ext uri="{FF2B5EF4-FFF2-40B4-BE49-F238E27FC236}">
-                <a16:creationId xmlns:a16="http://schemas.microsoft.com/office/drawing/2014/main" id="{3001C1E6-FC77-0201-A552-B60EEB3C0A33}"/>
-              </a:ext>
-            </a:extLst>
-          </p:cNvPr>
-          <p:cNvPicPr>
-            <a:picLocks noChangeAspect="1"/>
-          </p:cNvPicPr>
-          <p:nvPr/>
-        </p:nvPicPr>
-        <p:blipFill>
-          <a:blip r:embed="rId4"/>
-          <a:stretch>
-            <a:fillRect/>
-          </a:stretch>
-        </p:blipFill>
-        <p:spPr>
-          <a:xfrm>
-            <a:off x="7088698" y="4693641"/>
-            <a:ext cx="1442906" cy="1442906"/>
-          </a:xfrm>
-          <a:prstGeom prst="rect">
-            <a:avLst/>
-          </a:prstGeom>
-        </p:spPr>
-      </p:pic>
-      <p:sp>
-        <p:nvSpPr>
-          <p:cNvPr id="13" name="Rectangle 12">
-            <a:extLst>
-              <a:ext uri="{FF2B5EF4-FFF2-40B4-BE49-F238E27FC236}">
-                <a16:creationId xmlns:a16="http://schemas.microsoft.com/office/drawing/2014/main" id="{F256FCF8-D21B-AAD3-E5F5-6CBD29AAD88E}"/>
-              </a:ext>
-            </a:extLst>
-          </p:cNvPr>
-          <p:cNvSpPr/>
-          <p:nvPr/>
-        </p:nvSpPr>
-        <p:spPr>
-          <a:xfrm>
-            <a:off x="3187817" y="5561901"/>
-            <a:ext cx="3003258" cy="845326"/>
-          </a:xfrm>
-          <a:prstGeom prst="rect">
-            <a:avLst/>
-          </a:prstGeom>
-          <a:solidFill>
-            <a:schemeClr val="bg1"/>
+            <a:schemeClr val="bg1">
+              <a:lumMod val="85000"/>
+            </a:schemeClr>
           </a:solidFill>
           <a:ln>
             <a:noFill/>
@@ -6035,6 +6244,216 @@
       </p:sp>
       <p:sp>
         <p:nvSpPr>
+          <p:cNvPr id="4" name="TextBox 3">
+            <a:extLst>
+              <a:ext uri="{FF2B5EF4-FFF2-40B4-BE49-F238E27FC236}">
+                <a16:creationId xmlns:a16="http://schemas.microsoft.com/office/drawing/2014/main" id="{8391529E-33C7-AA3C-B689-BED2E606D393}"/>
+              </a:ext>
+            </a:extLst>
+          </p:cNvPr>
+          <p:cNvSpPr txBox="1"/>
+          <p:nvPr/>
+        </p:nvSpPr>
+        <p:spPr>
+          <a:xfrm>
+            <a:off x="1493241" y="565587"/>
+            <a:ext cx="5957582" cy="1077218"/>
+          </a:xfrm>
+          <a:prstGeom prst="rect">
+            <a:avLst/>
+          </a:prstGeom>
+          <a:solidFill>
+            <a:schemeClr val="bg1"/>
+          </a:solidFill>
+        </p:spPr>
+        <p:txBody>
+          <a:bodyPr wrap="square">
+            <a:spAutoFit/>
+          </a:bodyPr>
+          <a:lstStyle/>
+          <a:p>
+            <a:pPr algn="ctr"/>
+            <a:r>
+              <a:rPr lang="en-US" sz="3200" dirty="0">
+                <a:latin typeface="Elephant Pro" pitchFamily="2" charset="0"/>
+              </a:rPr>
+              <a:t>Test </a:t>
+            </a:r>
+            <a:r>
+              <a:rPr lang="en-US" sz="3200" dirty="0">
+                <a:solidFill>
+                  <a:schemeClr val="bg1">
+                    <a:lumMod val="50000"/>
+                  </a:schemeClr>
+                </a:solidFill>
+                <a:latin typeface="Fira Code" panose="020B0809050000020004" pitchFamily="49" charset="0"/>
+                <a:ea typeface="Fira Code" panose="020B0809050000020004" pitchFamily="49" charset="0"/>
+              </a:rPr>
+              <a:t>&amp;&amp;</a:t>
+            </a:r>
+            <a:r>
+              <a:rPr lang="en-US" sz="3200" dirty="0">
+                <a:latin typeface="Elephant Pro" pitchFamily="2" charset="0"/>
+              </a:rPr>
+              <a:t> Commit </a:t>
+            </a:r>
+            <a:r>
+              <a:rPr lang="en-US" sz="3200" dirty="0">
+                <a:solidFill>
+                  <a:schemeClr val="bg1">
+                    <a:lumMod val="50000"/>
+                  </a:schemeClr>
+                </a:solidFill>
+                <a:latin typeface="Fira Code" panose="020B0809050000020004" pitchFamily="49" charset="0"/>
+                <a:ea typeface="Fira Code" panose="020B0809050000020004" pitchFamily="49" charset="0"/>
+              </a:rPr>
+              <a:t>||</a:t>
+            </a:r>
+            <a:r>
+              <a:rPr lang="en-US" sz="3200" dirty="0">
+                <a:latin typeface="Elephant Pro" pitchFamily="2" charset="0"/>
+              </a:rPr>
+              <a:t> Revert </a:t>
+            </a:r>
+          </a:p>
+          <a:p>
+            <a:pPr algn="ctr"/>
+            <a:r>
+              <a:rPr lang="en-US" sz="3200" dirty="0">
+                <a:latin typeface="Elephant Pro" pitchFamily="2" charset="0"/>
+              </a:rPr>
+              <a:t>(TCR)</a:t>
+            </a:r>
+          </a:p>
+        </p:txBody>
+      </p:sp>
+      <p:sp>
+        <p:nvSpPr>
+          <p:cNvPr id="5" name="TextBox 4">
+            <a:extLst>
+              <a:ext uri="{FF2B5EF4-FFF2-40B4-BE49-F238E27FC236}">
+                <a16:creationId xmlns:a16="http://schemas.microsoft.com/office/drawing/2014/main" id="{E5B2D5C7-182D-E833-EE57-60FFF1C3526E}"/>
+              </a:ext>
+            </a:extLst>
+          </p:cNvPr>
+          <p:cNvSpPr txBox="1"/>
+          <p:nvPr/>
+        </p:nvSpPr>
+        <p:spPr>
+          <a:xfrm>
+            <a:off x="8402043" y="6068673"/>
+            <a:ext cx="437321" cy="369332"/>
+          </a:xfrm>
+          <a:prstGeom prst="rect">
+            <a:avLst/>
+          </a:prstGeom>
+          <a:noFill/>
+        </p:spPr>
+        <p:txBody>
+          <a:bodyPr wrap="square" rtlCol="0">
+            <a:spAutoFit/>
+          </a:bodyPr>
+          <a:lstStyle/>
+          <a:p>
+            <a:pPr algn="ctr"/>
+            <a:r>
+              <a:rPr lang="en-US" dirty="0">
+                <a:solidFill>
+                  <a:schemeClr val="tx1">
+                    <a:lumMod val="50000"/>
+                    <a:lumOff val="50000"/>
+                  </a:schemeClr>
+                </a:solidFill>
+              </a:rPr>
+              <a:t>1</a:t>
+            </a:r>
+          </a:p>
+        </p:txBody>
+      </p:sp>
+      <p:pic>
+        <p:nvPicPr>
+          <p:cNvPr id="12" name="Picture 11" descr="A qr code with a few black squares&#10;&#10;Description automatically generated">
+            <a:extLst>
+              <a:ext uri="{FF2B5EF4-FFF2-40B4-BE49-F238E27FC236}">
+                <a16:creationId xmlns:a16="http://schemas.microsoft.com/office/drawing/2014/main" id="{3001C1E6-FC77-0201-A552-B60EEB3C0A33}"/>
+              </a:ext>
+            </a:extLst>
+          </p:cNvPr>
+          <p:cNvPicPr>
+            <a:picLocks noChangeAspect="1"/>
+          </p:cNvPicPr>
+          <p:nvPr/>
+        </p:nvPicPr>
+        <p:blipFill>
+          <a:blip r:embed="rId3"/>
+          <a:stretch>
+            <a:fillRect/>
+          </a:stretch>
+        </p:blipFill>
+        <p:spPr>
+          <a:xfrm>
+            <a:off x="7088698" y="4693641"/>
+            <a:ext cx="1442906" cy="1442906"/>
+          </a:xfrm>
+          <a:prstGeom prst="rect">
+            <a:avLst/>
+          </a:prstGeom>
+        </p:spPr>
+      </p:pic>
+      <p:sp>
+        <p:nvSpPr>
+          <p:cNvPr id="13" name="Rectangle 12">
+            <a:extLst>
+              <a:ext uri="{FF2B5EF4-FFF2-40B4-BE49-F238E27FC236}">
+                <a16:creationId xmlns:a16="http://schemas.microsoft.com/office/drawing/2014/main" id="{F256FCF8-D21B-AAD3-E5F5-6CBD29AAD88E}"/>
+              </a:ext>
+            </a:extLst>
+          </p:cNvPr>
+          <p:cNvSpPr/>
+          <p:nvPr/>
+        </p:nvSpPr>
+        <p:spPr>
+          <a:xfrm>
+            <a:off x="3187817" y="5561901"/>
+            <a:ext cx="3003258" cy="845326"/>
+          </a:xfrm>
+          <a:prstGeom prst="rect">
+            <a:avLst/>
+          </a:prstGeom>
+          <a:solidFill>
+            <a:schemeClr val="bg1"/>
+          </a:solidFill>
+          <a:ln>
+            <a:noFill/>
+          </a:ln>
+        </p:spPr>
+        <p:style>
+          <a:lnRef idx="2">
+            <a:schemeClr val="accent1">
+              <a:shade val="15000"/>
+            </a:schemeClr>
+          </a:lnRef>
+          <a:fillRef idx="1">
+            <a:schemeClr val="accent1"/>
+          </a:fillRef>
+          <a:effectRef idx="0">
+            <a:schemeClr val="accent1"/>
+          </a:effectRef>
+          <a:fontRef idx="minor">
+            <a:schemeClr val="lt1"/>
+          </a:fontRef>
+        </p:style>
+        <p:txBody>
+          <a:bodyPr rtlCol="0" anchor="ctr"/>
+          <a:lstStyle/>
+          <a:p>
+            <a:pPr algn="ctr"/>
+            <a:endParaRPr lang="en-US"/>
+          </a:p>
+        </p:txBody>
+      </p:sp>
+      <p:sp>
+        <p:nvSpPr>
           <p:cNvPr id="6" name="TextBox 5">
             <a:extLst>
               <a:ext uri="{FF2B5EF4-FFF2-40B4-BE49-F238E27FC236}">
@@ -6120,7 +6539,7 @@
         </p:nvSpPr>
         <p:spPr>
           <a:xfrm>
-            <a:off x="3350294" y="2449909"/>
+            <a:off x="3319431" y="4215612"/>
             <a:ext cx="3496112" cy="1200329"/>
           </a:xfrm>
           <a:prstGeom prst="rect">
@@ -6275,7 +6694,7 @@
           <p:nvPr/>
         </p:nvPicPr>
         <p:blipFill>
-          <a:blip r:embed="rId5">
+          <a:blip r:embed="rId4">
             <a:extLst>
               <a:ext uri="{28A0092B-C50C-407E-A947-70E740481C1C}">
                 <a14:useLocalDpi xmlns:a14="http://schemas.microsoft.com/office/drawing/2010/main" val="0"/>
@@ -6583,6 +7002,168 @@
           </a:p>
         </p:txBody>
       </p:sp>
+      <p:sp>
+        <p:nvSpPr>
+          <p:cNvPr id="8" name="TextBox 7">
+            <a:extLst>
+              <a:ext uri="{FF2B5EF4-FFF2-40B4-BE49-F238E27FC236}">
+                <a16:creationId xmlns:a16="http://schemas.microsoft.com/office/drawing/2014/main" id="{7BDA1B63-413D-D91A-2B2D-44923C6C2D2F}"/>
+              </a:ext>
+            </a:extLst>
+          </p:cNvPr>
+          <p:cNvSpPr txBox="1"/>
+          <p:nvPr/>
+        </p:nvSpPr>
+        <p:spPr>
+          <a:xfrm>
+            <a:off x="3319431" y="2088753"/>
+            <a:ext cx="5082612" cy="1200329"/>
+          </a:xfrm>
+          <a:prstGeom prst="rect">
+            <a:avLst/>
+          </a:prstGeom>
+          <a:noFill/>
+        </p:spPr>
+        <p:txBody>
+          <a:bodyPr wrap="square">
+            <a:spAutoFit/>
+          </a:bodyPr>
+          <a:lstStyle/>
+          <a:p>
+            <a:pPr algn="l"/>
+            <a:r>
+              <a:rPr lang="en-US" b="0" i="0" dirty="0">
+                <a:solidFill>
+                  <a:srgbClr val="1F2328"/>
+                </a:solidFill>
+                <a:effectLst/>
+                <a:latin typeface="-apple-system"/>
+              </a:rPr>
+              <a:t>Every time you run your tests, you will either:</a:t>
+            </a:r>
+          </a:p>
+          <a:p>
+            <a:pPr lvl="1">
+              <a:buFont typeface="+mj-lt"/>
+              <a:buAutoNum type="arabicPeriod"/>
+            </a:pPr>
+            <a:r>
+              <a:rPr lang="en-US" b="0" i="0" dirty="0">
+                <a:solidFill>
+                  <a:srgbClr val="1F2328"/>
+                </a:solidFill>
+                <a:effectLst/>
+                <a:latin typeface="-apple-system"/>
+              </a:rPr>
+              <a:t>Commit everything, because </a:t>
+            </a:r>
+            <a:r>
+              <a:rPr lang="en-US" b="1" i="0" dirty="0">
+                <a:solidFill>
+                  <a:srgbClr val="1F2328"/>
+                </a:solidFill>
+                <a:effectLst/>
+                <a:latin typeface="-apple-system"/>
+              </a:rPr>
+              <a:t>all tests passed</a:t>
+            </a:r>
+            <a:endParaRPr lang="en-US" b="0" i="0" dirty="0">
+              <a:solidFill>
+                <a:srgbClr val="1F2328"/>
+              </a:solidFill>
+              <a:effectLst/>
+              <a:latin typeface="-apple-system"/>
+            </a:endParaRPr>
+          </a:p>
+          <a:p>
+            <a:pPr lvl="1">
+              <a:buFont typeface="+mj-lt"/>
+              <a:buAutoNum type="arabicPeriod"/>
+            </a:pPr>
+            <a:r>
+              <a:rPr lang="en-US" b="0" i="0" dirty="0">
+                <a:solidFill>
+                  <a:srgbClr val="1F2328"/>
+                </a:solidFill>
+                <a:effectLst/>
+                <a:latin typeface="-apple-system"/>
+              </a:rPr>
+              <a:t>Revert everything (or everything except the test) because </a:t>
+            </a:r>
+            <a:r>
+              <a:rPr lang="en-US" b="1" i="0" dirty="0">
+                <a:solidFill>
+                  <a:srgbClr val="1F2328"/>
+                </a:solidFill>
+                <a:effectLst/>
+                <a:latin typeface="-apple-system"/>
+              </a:rPr>
+              <a:t>it failed</a:t>
+            </a:r>
+            <a:endParaRPr lang="en-US" b="0" i="0" dirty="0">
+              <a:solidFill>
+                <a:srgbClr val="1F2328"/>
+              </a:solidFill>
+              <a:effectLst/>
+              <a:latin typeface="-apple-system"/>
+            </a:endParaRPr>
+          </a:p>
+        </p:txBody>
+      </p:sp>
+      <p:sp>
+        <p:nvSpPr>
+          <p:cNvPr id="11" name="TextBox 10">
+            <a:extLst>
+              <a:ext uri="{FF2B5EF4-FFF2-40B4-BE49-F238E27FC236}">
+                <a16:creationId xmlns:a16="http://schemas.microsoft.com/office/drawing/2014/main" id="{216D9EB2-DB3D-225E-843B-237EE8B339A5}"/>
+              </a:ext>
+            </a:extLst>
+          </p:cNvPr>
+          <p:cNvSpPr txBox="1"/>
+          <p:nvPr/>
+        </p:nvSpPr>
+        <p:spPr>
+          <a:xfrm>
+            <a:off x="3208906" y="1792386"/>
+            <a:ext cx="3212748" cy="369332"/>
+          </a:xfrm>
+          <a:prstGeom prst="rect">
+            <a:avLst/>
+          </a:prstGeom>
+          <a:noFill/>
+        </p:spPr>
+        <p:txBody>
+          <a:bodyPr wrap="square">
+            <a:spAutoFit/>
+          </a:bodyPr>
+          <a:lstStyle/>
+          <a:p>
+            <a:pPr algn="l"/>
+            <a:r>
+              <a:rPr lang="en-US" dirty="0">
+                <a:solidFill>
+                  <a:schemeClr val="tx1">
+                    <a:lumMod val="50000"/>
+                    <a:lumOff val="50000"/>
+                  </a:schemeClr>
+                </a:solidFill>
+                <a:latin typeface="Abadi MT Condensed Light" panose="020B0306030101010103" pitchFamily="34" charset="77"/>
+              </a:rPr>
+              <a:t>What it is</a:t>
+            </a:r>
+            <a:endParaRPr lang="en-US" b="0" i="0" dirty="0">
+              <a:solidFill>
+                <a:schemeClr val="tx1">
+                  <a:lumMod val="50000"/>
+                  <a:lumOff val="50000"/>
+                </a:schemeClr>
+              </a:solidFill>
+              <a:effectLst/>
+              <a:latin typeface="Abadi MT Condensed Light" panose="020B0306030101010103" pitchFamily="34" charset="77"/>
+            </a:endParaRPr>
+          </a:p>
+        </p:txBody>
+      </p:sp>
     </p:spTree>
     <p:extLst>
       <p:ext uri="{BB962C8B-B14F-4D97-AF65-F5344CB8AC3E}">
@@ -7706,7 +8287,7 @@
                 <a:ea typeface="Verdana" panose="020B0604030504040204" pitchFamily="34" charset="0"/>
                 <a:cs typeface="Times New Roman" panose="02020603050405020304" pitchFamily="18" charset="0"/>
               </a:rPr>
-              <a:t>Guide your tests with </a:t>
+              <a:t>Guide your tests by </a:t>
             </a:r>
           </a:p>
           <a:p>
@@ -7723,21 +8304,21 @@
                 <a:ea typeface="Verdana" panose="020B0604030504040204" pitchFamily="34" charset="0"/>
                 <a:cs typeface="Times New Roman" panose="02020603050405020304" pitchFamily="18" charset="0"/>
               </a:rPr>
-              <a:t>the </a:t>
-            </a:r>
-            <a:r>
-              <a:rPr lang="en-US" sz="2400" i="1" dirty="0" err="1">
+              <a:t>looking at these </a:t>
+            </a:r>
+            <a:r>
+              <a:rPr lang="en-US" sz="2400" b="1" i="1" dirty="0">
                 <a:solidFill>
                   <a:schemeClr val="tx1">
-                    <a:lumMod val="50000"/>
-                    <a:lumOff val="50000"/>
+                    <a:lumMod val="95000"/>
+                    <a:lumOff val="5000"/>
                   </a:schemeClr>
                 </a:solidFill>
                 <a:latin typeface="Times New Roman" panose="02020603050405020304" pitchFamily="18" charset="0"/>
                 <a:ea typeface="Verdana" panose="020B0604030504040204" pitchFamily="34" charset="0"/>
                 <a:cs typeface="Times New Roman" panose="02020603050405020304" pitchFamily="18" charset="0"/>
               </a:rPr>
-              <a:t>z.o.m.b.i.e.s</a:t>
+              <a:t>7</a:t>
             </a:r>
             <a:r>
               <a:rPr lang="en-US" sz="2400" i="1" dirty="0">
@@ -7751,7 +8332,7 @@
                 <a:ea typeface="Verdana" panose="020B0604030504040204" pitchFamily="34" charset="0"/>
                 <a:cs typeface="Times New Roman" panose="02020603050405020304" pitchFamily="18" charset="0"/>
               </a:rPr>
-              <a:t> pattern</a:t>
+              <a:t> cases</a:t>
             </a:r>
           </a:p>
         </p:txBody>
@@ -7863,6 +8444,167 @@
               <a:schemeClr val="tx1"/>
             </a:solidFill>
           </a:ln>
+        </p:spPr>
+      </p:pic>
+      <p:sp>
+        <p:nvSpPr>
+          <p:cNvPr id="4" name="TextBox 3">
+            <a:extLst>
+              <a:ext uri="{FF2B5EF4-FFF2-40B4-BE49-F238E27FC236}">
+                <a16:creationId xmlns:a16="http://schemas.microsoft.com/office/drawing/2014/main" id="{991B0A7A-B29A-66AF-444A-AD424E16C0CA}"/>
+              </a:ext>
+            </a:extLst>
+          </p:cNvPr>
+          <p:cNvSpPr txBox="1"/>
+          <p:nvPr/>
+        </p:nvSpPr>
+        <p:spPr>
+          <a:xfrm>
+            <a:off x="3586444" y="5533933"/>
+            <a:ext cx="3694391" cy="253916"/>
+          </a:xfrm>
+          <a:prstGeom prst="rect">
+            <a:avLst/>
+          </a:prstGeom>
+          <a:solidFill>
+            <a:schemeClr val="bg1"/>
+          </a:solidFill>
+        </p:spPr>
+        <p:txBody>
+          <a:bodyPr wrap="square">
+            <a:spAutoFit/>
+          </a:bodyPr>
+          <a:lstStyle/>
+          <a:p>
+            <a:pPr algn="r"/>
+            <a:r>
+              <a:rPr lang="en-US" sz="1050" dirty="0" err="1">
+                <a:solidFill>
+                  <a:schemeClr val="tx1">
+                    <a:lumMod val="50000"/>
+                    <a:lumOff val="50000"/>
+                  </a:schemeClr>
+                </a:solidFill>
+                <a:latin typeface="Verdana" panose="020B0604030504040204" pitchFamily="34" charset="0"/>
+                <a:ea typeface="Verdana" panose="020B0604030504040204" pitchFamily="34" charset="0"/>
+                <a:cs typeface="Verdana" panose="020B0604030504040204" pitchFamily="34" charset="0"/>
+              </a:rPr>
+              <a:t>blog.wingman-sw.com</a:t>
+            </a:r>
+            <a:r>
+              <a:rPr lang="en-US" sz="1050" dirty="0">
+                <a:solidFill>
+                  <a:schemeClr val="tx1">
+                    <a:lumMod val="50000"/>
+                    <a:lumOff val="50000"/>
+                  </a:schemeClr>
+                </a:solidFill>
+                <a:latin typeface="Verdana" panose="020B0604030504040204" pitchFamily="34" charset="0"/>
+                <a:ea typeface="Verdana" panose="020B0604030504040204" pitchFamily="34" charset="0"/>
+                <a:cs typeface="Verdana" panose="020B0604030504040204" pitchFamily="34" charset="0"/>
+              </a:rPr>
+              <a:t>/</a:t>
+            </a:r>
+            <a:r>
+              <a:rPr lang="en-US" sz="1050" dirty="0" err="1">
+                <a:solidFill>
+                  <a:schemeClr val="tx1">
+                    <a:lumMod val="50000"/>
+                    <a:lumOff val="50000"/>
+                  </a:schemeClr>
+                </a:solidFill>
+                <a:latin typeface="Verdana" panose="020B0604030504040204" pitchFamily="34" charset="0"/>
+                <a:ea typeface="Verdana" panose="020B0604030504040204" pitchFamily="34" charset="0"/>
+                <a:cs typeface="Verdana" panose="020B0604030504040204" pitchFamily="34" charset="0"/>
+              </a:rPr>
+              <a:t>tdd</a:t>
+            </a:r>
+            <a:r>
+              <a:rPr lang="en-US" sz="1050" dirty="0">
+                <a:solidFill>
+                  <a:schemeClr val="tx1">
+                    <a:lumMod val="50000"/>
+                    <a:lumOff val="50000"/>
+                  </a:schemeClr>
+                </a:solidFill>
+                <a:latin typeface="Verdana" panose="020B0604030504040204" pitchFamily="34" charset="0"/>
+                <a:ea typeface="Verdana" panose="020B0604030504040204" pitchFamily="34" charset="0"/>
+                <a:cs typeface="Verdana" panose="020B0604030504040204" pitchFamily="34" charset="0"/>
+              </a:rPr>
+              <a:t>-guided-by-zombies </a:t>
+            </a:r>
+          </a:p>
+        </p:txBody>
+      </p:sp>
+      <p:sp>
+        <p:nvSpPr>
+          <p:cNvPr id="8" name="TextBox 7">
+            <a:extLst>
+              <a:ext uri="{FF2B5EF4-FFF2-40B4-BE49-F238E27FC236}">
+                <a16:creationId xmlns:a16="http://schemas.microsoft.com/office/drawing/2014/main" id="{B33F5A62-3F26-F0CB-5692-DE3E527532E3}"/>
+              </a:ext>
+            </a:extLst>
+          </p:cNvPr>
+          <p:cNvSpPr txBox="1"/>
+          <p:nvPr/>
+        </p:nvSpPr>
+        <p:spPr>
+          <a:xfrm>
+            <a:off x="6673705" y="4309572"/>
+            <a:ext cx="563969" cy="338554"/>
+          </a:xfrm>
+          <a:prstGeom prst="rect">
+            <a:avLst/>
+          </a:prstGeom>
+          <a:solidFill>
+            <a:schemeClr val="bg1"/>
+          </a:solidFill>
+        </p:spPr>
+        <p:txBody>
+          <a:bodyPr wrap="square">
+            <a:spAutoFit/>
+          </a:bodyPr>
+          <a:lstStyle/>
+          <a:p>
+            <a:pPr algn="r"/>
+            <a:r>
+              <a:rPr lang="en-US" sz="1600" dirty="0">
+                <a:latin typeface="Abadi MT Condensed Light" panose="020B0306030101010103" pitchFamily="34" charset="77"/>
+                <a:ea typeface="Fira Code" panose="020B0809050000020004" pitchFamily="49" charset="0"/>
+              </a:rPr>
+              <a:t>Blog</a:t>
+            </a:r>
+          </a:p>
+        </p:txBody>
+      </p:sp>
+      <p:pic>
+        <p:nvPicPr>
+          <p:cNvPr id="7" name="Picture 6" descr="A qr code with a black and white background&#10;&#10;Description automatically generated">
+            <a:extLst>
+              <a:ext uri="{FF2B5EF4-FFF2-40B4-BE49-F238E27FC236}">
+                <a16:creationId xmlns:a16="http://schemas.microsoft.com/office/drawing/2014/main" id="{D5582CF2-FD81-13BC-B562-C60E412D0E8F}"/>
+              </a:ext>
+            </a:extLst>
+          </p:cNvPr>
+          <p:cNvPicPr>
+            <a:picLocks noChangeAspect="1"/>
+          </p:cNvPicPr>
+          <p:nvPr/>
+        </p:nvPicPr>
+        <p:blipFill>
+          <a:blip r:embed="rId6"/>
+          <a:stretch>
+            <a:fillRect/>
+          </a:stretch>
+        </p:blipFill>
+        <p:spPr>
+          <a:xfrm>
+            <a:off x="6235219" y="4593465"/>
+            <a:ext cx="1018357" cy="1018357"/>
+          </a:xfrm>
+          <a:prstGeom prst="rect">
+            <a:avLst/>
+          </a:prstGeom>
         </p:spPr>
       </p:pic>
     </p:spTree>
@@ -8261,6 +9003,77 @@
           </a:p>
         </p:txBody>
       </p:sp>
+      <p:sp>
+        <p:nvSpPr>
+          <p:cNvPr id="10" name="TextBox 9">
+            <a:extLst>
+              <a:ext uri="{FF2B5EF4-FFF2-40B4-BE49-F238E27FC236}">
+                <a16:creationId xmlns:a16="http://schemas.microsoft.com/office/drawing/2014/main" id="{C6A27022-B498-3607-71A0-DB4284E46212}"/>
+              </a:ext>
+            </a:extLst>
+          </p:cNvPr>
+          <p:cNvSpPr txBox="1"/>
+          <p:nvPr/>
+        </p:nvSpPr>
+        <p:spPr>
+          <a:xfrm>
+            <a:off x="8208305" y="5152412"/>
+            <a:ext cx="563969" cy="338554"/>
+          </a:xfrm>
+          <a:prstGeom prst="rect">
+            <a:avLst/>
+          </a:prstGeom>
+          <a:solidFill>
+            <a:schemeClr val="bg1"/>
+          </a:solidFill>
+        </p:spPr>
+        <p:txBody>
+          <a:bodyPr wrap="square">
+            <a:spAutoFit/>
+          </a:bodyPr>
+          <a:lstStyle/>
+          <a:p>
+            <a:pPr algn="r"/>
+            <a:r>
+              <a:rPr lang="en-US" sz="1600" dirty="0">
+                <a:latin typeface="Abadi MT Condensed Light" panose="020B0306030101010103" pitchFamily="34" charset="77"/>
+                <a:ea typeface="Fira Code" panose="020B0809050000020004" pitchFamily="49" charset="0"/>
+              </a:rPr>
+              <a:t>Blog</a:t>
+            </a:r>
+          </a:p>
+        </p:txBody>
+      </p:sp>
+      <p:pic>
+        <p:nvPicPr>
+          <p:cNvPr id="12" name="Picture 11" descr="A qr code with black and white squares&#10;&#10;Description automatically generated">
+            <a:extLst>
+              <a:ext uri="{FF2B5EF4-FFF2-40B4-BE49-F238E27FC236}">
+                <a16:creationId xmlns:a16="http://schemas.microsoft.com/office/drawing/2014/main" id="{95473D3B-7C14-1EDC-7D61-C1E6D828BD1F}"/>
+              </a:ext>
+            </a:extLst>
+          </p:cNvPr>
+          <p:cNvPicPr>
+            <a:picLocks noChangeAspect="1"/>
+          </p:cNvPicPr>
+          <p:nvPr/>
+        </p:nvPicPr>
+        <p:blipFill>
+          <a:blip r:embed="rId4"/>
+          <a:stretch>
+            <a:fillRect/>
+          </a:stretch>
+        </p:blipFill>
+        <p:spPr>
+          <a:xfrm>
+            <a:off x="7704814" y="5438188"/>
+            <a:ext cx="1030475" cy="1030475"/>
+          </a:xfrm>
+          <a:prstGeom prst="rect">
+            <a:avLst/>
+          </a:prstGeom>
+        </p:spPr>
+      </p:pic>
     </p:spTree>
     <p:extLst>
       <p:ext uri="{BB962C8B-B14F-4D97-AF65-F5344CB8AC3E}">
@@ -8534,7 +9347,7 @@
         <p:spPr>
           <a:xfrm>
             <a:off x="1960227" y="527635"/>
-            <a:ext cx="5387009" cy="1077218"/>
+            <a:ext cx="5387009" cy="1323439"/>
           </a:xfrm>
           <a:prstGeom prst="rect">
             <a:avLst/>
@@ -8584,6 +9397,21 @@
               <a:t>:</a:t>
             </a:r>
           </a:p>
+          <a:p>
+            <a:pPr algn="ctr"/>
+            <a:r>
+              <a:rPr lang="en-US" sz="1400" dirty="0">
+                <a:solidFill>
+                  <a:schemeClr val="tx1">
+                    <a:lumMod val="50000"/>
+                    <a:lumOff val="50000"/>
+                  </a:schemeClr>
+                </a:solidFill>
+                <a:latin typeface="Comic Sans MS" panose="030F0902030302020204" pitchFamily="66" charset="0"/>
+              </a:rPr>
+              <a:t>(in order of importance)</a:t>
+            </a:r>
+          </a:p>
         </p:txBody>
       </p:sp>
       <p:sp>
@@ -8720,103 +9548,6 @@
                 <a:latin typeface="Comic Sans MS" panose="030F0902030302020204" pitchFamily="66" charset="0"/>
               </a:rPr>
               <a:t> Minimizes the number of classes and methods</a:t>
-            </a:r>
-          </a:p>
-        </p:txBody>
-      </p:sp>
-      <p:sp>
-        <p:nvSpPr>
-          <p:cNvPr id="8" name="Down Arrow 7">
-            <a:extLst>
-              <a:ext uri="{FF2B5EF4-FFF2-40B4-BE49-F238E27FC236}">
-                <a16:creationId xmlns:a16="http://schemas.microsoft.com/office/drawing/2014/main" id="{B8494AAC-539D-1993-8AB7-236106E496B8}"/>
-              </a:ext>
-            </a:extLst>
-          </p:cNvPr>
-          <p:cNvSpPr/>
-          <p:nvPr/>
-        </p:nvSpPr>
-        <p:spPr>
-          <a:xfrm rot="10800000">
-            <a:off x="1847088" y="2596659"/>
-            <a:ext cx="411646" cy="1208015"/>
-          </a:xfrm>
-          <a:prstGeom prst="downArrow">
-            <a:avLst>
-              <a:gd name="adj1" fmla="val 55621"/>
-              <a:gd name="adj2" fmla="val 128788"/>
-            </a:avLst>
-          </a:prstGeom>
-          <a:solidFill>
-            <a:schemeClr val="bg2"/>
-          </a:solidFill>
-          <a:ln>
-            <a:noFill/>
-          </a:ln>
-        </p:spPr>
-        <p:style>
-          <a:lnRef idx="2">
-            <a:schemeClr val="accent1">
-              <a:shade val="15000"/>
-            </a:schemeClr>
-          </a:lnRef>
-          <a:fillRef idx="1">
-            <a:schemeClr val="accent1"/>
-          </a:fillRef>
-          <a:effectRef idx="0">
-            <a:schemeClr val="accent1"/>
-          </a:effectRef>
-          <a:fontRef idx="minor">
-            <a:schemeClr val="lt1"/>
-          </a:fontRef>
-        </p:style>
-        <p:txBody>
-          <a:bodyPr rtlCol="0" anchor="ctr"/>
-          <a:lstStyle/>
-          <a:p>
-            <a:pPr algn="ctr"/>
-            <a:endParaRPr lang="en-US" dirty="0"/>
-          </a:p>
-        </p:txBody>
-      </p:sp>
-      <p:sp>
-        <p:nvSpPr>
-          <p:cNvPr id="9" name="TextBox 8">
-            <a:extLst>
-              <a:ext uri="{FF2B5EF4-FFF2-40B4-BE49-F238E27FC236}">
-                <a16:creationId xmlns:a16="http://schemas.microsoft.com/office/drawing/2014/main" id="{8BD054BC-64CD-1900-995B-ECEDB12CB57E}"/>
-              </a:ext>
-            </a:extLst>
-          </p:cNvPr>
-          <p:cNvSpPr txBox="1"/>
-          <p:nvPr/>
-        </p:nvSpPr>
-        <p:spPr>
-          <a:xfrm rot="16200000">
-            <a:off x="1525005" y="3176648"/>
-            <a:ext cx="1025665" cy="307777"/>
-          </a:xfrm>
-          <a:prstGeom prst="rect">
-            <a:avLst/>
-          </a:prstGeom>
-          <a:noFill/>
-        </p:spPr>
-        <p:txBody>
-          <a:bodyPr wrap="none" rtlCol="0">
-            <a:spAutoFit/>
-          </a:bodyPr>
-          <a:lstStyle/>
-          <a:p>
-            <a:r>
-              <a:rPr lang="en-US" sz="1400" dirty="0">
-                <a:solidFill>
-                  <a:schemeClr val="tx1">
-                    <a:lumMod val="50000"/>
-                    <a:lumOff val="50000"/>
-                  </a:schemeClr>
-                </a:solidFill>
-              </a:rPr>
-              <a:t>importance</a:t>
             </a:r>
           </a:p>
         </p:txBody>
@@ -9867,8 +10598,8 @@
         </p:blipFill>
         <p:spPr>
           <a:xfrm>
-            <a:off x="0" y="21791"/>
-            <a:ext cx="9173240" cy="6836209"/>
+            <a:off x="0" y="0"/>
+            <a:ext cx="9173240" cy="6888307"/>
           </a:xfrm>
           <a:prstGeom prst="rect">
             <a:avLst/>
@@ -10037,10 +10768,10 @@
       </p:sp>
       <p:pic>
         <p:nvPicPr>
-          <p:cNvPr id="8" name="Picture 7">
-            <a:extLst>
-              <a:ext uri="{FF2B5EF4-FFF2-40B4-BE49-F238E27FC236}">
-                <a16:creationId xmlns:a16="http://schemas.microsoft.com/office/drawing/2014/main" id="{9BEDAC4C-1244-D72E-3207-5D6FEBE9C6D5}"/>
+          <p:cNvPr id="10" name="Picture 9">
+            <a:extLst>
+              <a:ext uri="{FF2B5EF4-FFF2-40B4-BE49-F238E27FC236}">
+                <a16:creationId xmlns:a16="http://schemas.microsoft.com/office/drawing/2014/main" id="{01459697-08DF-6408-237B-CC0A326531EE}"/>
               </a:ext>
             </a:extLst>
           </p:cNvPr>
@@ -10057,8 +10788,8 @@
         </p:blipFill>
         <p:spPr>
           <a:xfrm>
-            <a:off x="6677338" y="2269855"/>
-            <a:ext cx="1320800" cy="1181100"/>
+            <a:off x="3144029" y="2295255"/>
+            <a:ext cx="762000" cy="787400"/>
           </a:xfrm>
           <a:prstGeom prst="rect">
             <a:avLst/>
@@ -10067,10 +10798,10 @@
       </p:pic>
       <p:pic>
         <p:nvPicPr>
-          <p:cNvPr id="9" name="Picture 8">
-            <a:extLst>
-              <a:ext uri="{FF2B5EF4-FFF2-40B4-BE49-F238E27FC236}">
-                <a16:creationId xmlns:a16="http://schemas.microsoft.com/office/drawing/2014/main" id="{C387FBB3-2490-CECC-4588-BDE7886F3CA9}"/>
+          <p:cNvPr id="11" name="Picture 10">
+            <a:extLst>
+              <a:ext uri="{FF2B5EF4-FFF2-40B4-BE49-F238E27FC236}">
+                <a16:creationId xmlns:a16="http://schemas.microsoft.com/office/drawing/2014/main" id="{DA37BB83-E538-8AA9-C2E9-FCE195911581}"/>
               </a:ext>
             </a:extLst>
           </p:cNvPr>
@@ -10087,8 +10818,8 @@
         </p:blipFill>
         <p:spPr>
           <a:xfrm>
-            <a:off x="6708371" y="3868514"/>
-            <a:ext cx="1308100" cy="1181100"/>
+            <a:off x="4442273" y="2269855"/>
+            <a:ext cx="850900" cy="838200"/>
           </a:xfrm>
           <a:prstGeom prst="rect">
             <a:avLst/>
@@ -10097,10 +10828,10 @@
       </p:pic>
       <p:pic>
         <p:nvPicPr>
-          <p:cNvPr id="10" name="Picture 9">
-            <a:extLst>
-              <a:ext uri="{FF2B5EF4-FFF2-40B4-BE49-F238E27FC236}">
-                <a16:creationId xmlns:a16="http://schemas.microsoft.com/office/drawing/2014/main" id="{01459697-08DF-6408-237B-CC0A326531EE}"/>
+          <p:cNvPr id="12" name="Picture 11">
+            <a:extLst>
+              <a:ext uri="{FF2B5EF4-FFF2-40B4-BE49-F238E27FC236}">
+                <a16:creationId xmlns:a16="http://schemas.microsoft.com/office/drawing/2014/main" id="{0BBE9AB5-50F1-82E0-9790-73B914F24142}"/>
               </a:ext>
             </a:extLst>
           </p:cNvPr>
@@ -10117,8 +10848,8 @@
         </p:blipFill>
         <p:spPr>
           <a:xfrm>
-            <a:off x="2971994" y="2295255"/>
-            <a:ext cx="762000" cy="787400"/>
+            <a:off x="3014351" y="3412305"/>
+            <a:ext cx="891678" cy="820749"/>
           </a:xfrm>
           <a:prstGeom prst="rect">
             <a:avLst/>
@@ -10127,10 +10858,10 @@
       </p:pic>
       <p:pic>
         <p:nvPicPr>
-          <p:cNvPr id="11" name="Picture 10">
-            <a:extLst>
-              <a:ext uri="{FF2B5EF4-FFF2-40B4-BE49-F238E27FC236}">
-                <a16:creationId xmlns:a16="http://schemas.microsoft.com/office/drawing/2014/main" id="{DA37BB83-E538-8AA9-C2E9-FCE195911581}"/>
+          <p:cNvPr id="13" name="Picture 12">
+            <a:extLst>
+              <a:ext uri="{FF2B5EF4-FFF2-40B4-BE49-F238E27FC236}">
+                <a16:creationId xmlns:a16="http://schemas.microsoft.com/office/drawing/2014/main" id="{E0DC9DF1-6585-6B45-8206-A603DA82E2C1}"/>
               </a:ext>
             </a:extLst>
           </p:cNvPr>
@@ -10147,8 +10878,8 @@
         </p:blipFill>
         <p:spPr>
           <a:xfrm>
-            <a:off x="4569273" y="2269855"/>
-            <a:ext cx="850900" cy="838200"/>
+            <a:off x="4442273" y="3371774"/>
+            <a:ext cx="911943" cy="901810"/>
           </a:xfrm>
           <a:prstGeom prst="rect">
             <a:avLst/>
@@ -10157,10 +10888,10 @@
       </p:pic>
       <p:pic>
         <p:nvPicPr>
-          <p:cNvPr id="12" name="Picture 11">
-            <a:extLst>
-              <a:ext uri="{FF2B5EF4-FFF2-40B4-BE49-F238E27FC236}">
-                <a16:creationId xmlns:a16="http://schemas.microsoft.com/office/drawing/2014/main" id="{0BBE9AB5-50F1-82E0-9790-73B914F24142}"/>
+          <p:cNvPr id="14" name="Picture 13">
+            <a:extLst>
+              <a:ext uri="{FF2B5EF4-FFF2-40B4-BE49-F238E27FC236}">
+                <a16:creationId xmlns:a16="http://schemas.microsoft.com/office/drawing/2014/main" id="{19836DDE-0AF6-13E1-1484-1BD7BED66669}"/>
               </a:ext>
             </a:extLst>
           </p:cNvPr>
@@ -10177,8 +10908,8 @@
         </p:blipFill>
         <p:spPr>
           <a:xfrm>
-            <a:off x="2794194" y="3248866"/>
-            <a:ext cx="1117600" cy="1028700"/>
+            <a:off x="3004563" y="4585129"/>
+            <a:ext cx="901466" cy="838573"/>
           </a:xfrm>
           <a:prstGeom prst="rect">
             <a:avLst/>
@@ -10187,10 +10918,10 @@
       </p:pic>
       <p:pic>
         <p:nvPicPr>
-          <p:cNvPr id="13" name="Picture 12">
-            <a:extLst>
-              <a:ext uri="{FF2B5EF4-FFF2-40B4-BE49-F238E27FC236}">
-                <a16:creationId xmlns:a16="http://schemas.microsoft.com/office/drawing/2014/main" id="{E0DC9DF1-6585-6B45-8206-A603DA82E2C1}"/>
+          <p:cNvPr id="15" name="Picture 14">
+            <a:extLst>
+              <a:ext uri="{FF2B5EF4-FFF2-40B4-BE49-F238E27FC236}">
+                <a16:creationId xmlns:a16="http://schemas.microsoft.com/office/drawing/2014/main" id="{3F0BBA2F-819B-A7A4-BE0A-3036CB5F051F}"/>
               </a:ext>
             </a:extLst>
           </p:cNvPr>
@@ -10207,68 +10938,8 @@
         </p:blipFill>
         <p:spPr>
           <a:xfrm>
-            <a:off x="4423223" y="3248866"/>
-            <a:ext cx="1143000" cy="1130300"/>
-          </a:xfrm>
-          <a:prstGeom prst="rect">
-            <a:avLst/>
-          </a:prstGeom>
-        </p:spPr>
-      </p:pic>
-      <p:pic>
-        <p:nvPicPr>
-          <p:cNvPr id="14" name="Picture 13">
-            <a:extLst>
-              <a:ext uri="{FF2B5EF4-FFF2-40B4-BE49-F238E27FC236}">
-                <a16:creationId xmlns:a16="http://schemas.microsoft.com/office/drawing/2014/main" id="{19836DDE-0AF6-13E1-1484-1BD7BED66669}"/>
-              </a:ext>
-            </a:extLst>
-          </p:cNvPr>
-          <p:cNvPicPr>
-            <a:picLocks noChangeAspect="1"/>
-          </p:cNvPicPr>
-          <p:nvPr/>
-        </p:nvPicPr>
-        <p:blipFill>
-          <a:blip r:embed="rId10"/>
-          <a:stretch>
-            <a:fillRect/>
-          </a:stretch>
-        </p:blipFill>
-        <p:spPr>
-          <a:xfrm>
-            <a:off x="2806894" y="4551783"/>
-            <a:ext cx="1092200" cy="1016000"/>
-          </a:xfrm>
-          <a:prstGeom prst="rect">
-            <a:avLst/>
-          </a:prstGeom>
-        </p:spPr>
-      </p:pic>
-      <p:pic>
-        <p:nvPicPr>
-          <p:cNvPr id="15" name="Picture 14">
-            <a:extLst>
-              <a:ext uri="{FF2B5EF4-FFF2-40B4-BE49-F238E27FC236}">
-                <a16:creationId xmlns:a16="http://schemas.microsoft.com/office/drawing/2014/main" id="{3F0BBA2F-819B-A7A4-BE0A-3036CB5F051F}"/>
-              </a:ext>
-            </a:extLst>
-          </p:cNvPr>
-          <p:cNvPicPr>
-            <a:picLocks noChangeAspect="1"/>
-          </p:cNvPicPr>
-          <p:nvPr/>
-        </p:nvPicPr>
-        <p:blipFill>
-          <a:blip r:embed="rId11"/>
-          <a:stretch>
-            <a:fillRect/>
-          </a:stretch>
-        </p:blipFill>
-        <p:spPr>
-          <a:xfrm>
-            <a:off x="4442273" y="4539083"/>
-            <a:ext cx="1104900" cy="1079500"/>
+            <a:off x="4442273" y="4558923"/>
+            <a:ext cx="911948" cy="890984"/>
           </a:xfrm>
           <a:prstGeom prst="rect">
             <a:avLst/>
@@ -10290,7 +10961,7 @@
           <p:nvPr/>
         </p:nvPicPr>
         <p:blipFill rotWithShape="1">
-          <a:blip r:embed="rId12"/>
+          <a:blip r:embed="rId10"/>
           <a:srcRect l="9652" t="8403" r="9555" b="7239"/>
           <a:stretch/>
         </p:blipFill>
@@ -10319,7 +10990,7 @@
           <p:nvPr/>
         </p:nvPicPr>
         <p:blipFill rotWithShape="1">
-          <a:blip r:embed="rId13"/>
+          <a:blip r:embed="rId11"/>
           <a:srcRect l="16934" t="26545" r="19905" b="20085"/>
           <a:stretch/>
         </p:blipFill>
@@ -10348,7 +11019,7 @@
           <p:nvPr/>
         </p:nvPicPr>
         <p:blipFill rotWithShape="1">
-          <a:blip r:embed="rId14"/>
+          <a:blip r:embed="rId12"/>
           <a:srcRect l="15301" t="8678" r="19047" b="14316"/>
           <a:stretch/>
         </p:blipFill>
@@ -10376,7 +11047,7 @@
         </p:nvSpPr>
         <p:spPr>
           <a:xfrm rot="5400000">
-            <a:off x="7217777" y="3544221"/>
+            <a:off x="7168488" y="3207345"/>
             <a:ext cx="239921" cy="243068"/>
           </a:xfrm>
           <a:prstGeom prst="rightArrow">
@@ -10490,7 +11161,7 @@
         </p:nvSpPr>
         <p:spPr>
           <a:xfrm>
-            <a:off x="3968389" y="3685624"/>
+            <a:off x="3968389" y="3694287"/>
             <a:ext cx="389965" cy="256785"/>
           </a:xfrm>
           <a:prstGeom prst="leftRightArrow">
@@ -10547,7 +11218,7 @@
         </p:nvSpPr>
         <p:spPr>
           <a:xfrm>
-            <a:off x="3968389" y="4950441"/>
+            <a:off x="3968389" y="4876023"/>
             <a:ext cx="389965" cy="256785"/>
           </a:xfrm>
           <a:prstGeom prst="leftRightArrow">
@@ -10590,36 +11261,6 @@
           </a:p>
         </p:txBody>
       </p:sp>
-      <p:pic>
-        <p:nvPicPr>
-          <p:cNvPr id="26" name="Picture 25">
-            <a:extLst>
-              <a:ext uri="{FF2B5EF4-FFF2-40B4-BE49-F238E27FC236}">
-                <a16:creationId xmlns:a16="http://schemas.microsoft.com/office/drawing/2014/main" id="{0BE2A48E-4869-5986-2FAE-9DC048B4564A}"/>
-              </a:ext>
-            </a:extLst>
-          </p:cNvPr>
-          <p:cNvPicPr>
-            <a:picLocks noChangeAspect="1"/>
-          </p:cNvPicPr>
-          <p:nvPr/>
-        </p:nvPicPr>
-        <p:blipFill>
-          <a:blip r:embed="rId15"/>
-          <a:stretch>
-            <a:fillRect/>
-          </a:stretch>
-        </p:blipFill>
-        <p:spPr>
-          <a:xfrm>
-            <a:off x="6892521" y="5392644"/>
-            <a:ext cx="939800" cy="927100"/>
-          </a:xfrm>
-          <a:prstGeom prst="rect">
-            <a:avLst/>
-          </a:prstGeom>
-        </p:spPr>
-      </p:pic>
       <p:sp>
         <p:nvSpPr>
           <p:cNvPr id="27" name="Right Arrow 26">
@@ -10634,7 +11275,7 @@
         </p:nvSpPr>
         <p:spPr>
           <a:xfrm rot="5400000">
-            <a:off x="7189418" y="5110849"/>
+            <a:off x="7168488" y="4484845"/>
             <a:ext cx="239921" cy="243068"/>
           </a:xfrm>
           <a:prstGeom prst="rightArrow">
@@ -10691,13 +11332,15 @@
         </p:nvSpPr>
         <p:spPr>
           <a:xfrm>
-            <a:off x="572901" y="5980389"/>
-            <a:ext cx="2732547" cy="276999"/>
-          </a:xfrm>
-          <a:prstGeom prst="rect">
-            <a:avLst/>
-          </a:prstGeom>
-          <a:noFill/>
+            <a:off x="572902" y="5980389"/>
+            <a:ext cx="2313422" cy="276999"/>
+          </a:xfrm>
+          <a:prstGeom prst="rect">
+            <a:avLst/>
+          </a:prstGeom>
+          <a:solidFill>
+            <a:schemeClr val="bg1"/>
+          </a:solidFill>
         </p:spPr>
         <p:txBody>
           <a:bodyPr wrap="square">
@@ -10821,6 +11464,93 @@
           </a:fontRef>
         </p:style>
       </p:cxnSp>
+      <p:pic>
+        <p:nvPicPr>
+          <p:cNvPr id="2" name="Picture 1">
+            <a:extLst>
+              <a:ext uri="{FF2B5EF4-FFF2-40B4-BE49-F238E27FC236}">
+                <a16:creationId xmlns:a16="http://schemas.microsoft.com/office/drawing/2014/main" id="{421DE811-7E89-639E-0E1F-85D77110D69E}"/>
+              </a:ext>
+            </a:extLst>
+          </p:cNvPr>
+          <p:cNvPicPr>
+            <a:picLocks noChangeAspect="1"/>
+          </p:cNvPicPr>
+          <p:nvPr/>
+        </p:nvPicPr>
+        <p:blipFill rotWithShape="1">
+          <a:blip r:embed="rId13"/>
+          <a:srcRect l="22208" t="16237" r="37751" b="41036"/>
+          <a:stretch/>
+        </p:blipFill>
+        <p:spPr>
+          <a:xfrm>
+            <a:off x="6777919" y="2192703"/>
+            <a:ext cx="1021059" cy="994851"/>
+          </a:xfrm>
+          <a:prstGeom prst="rect">
+            <a:avLst/>
+          </a:prstGeom>
+        </p:spPr>
+      </p:pic>
+      <p:pic>
+        <p:nvPicPr>
+          <p:cNvPr id="5" name="Picture 4">
+            <a:extLst>
+              <a:ext uri="{FF2B5EF4-FFF2-40B4-BE49-F238E27FC236}">
+                <a16:creationId xmlns:a16="http://schemas.microsoft.com/office/drawing/2014/main" id="{9989BD8B-FA1E-314B-FEE6-99C8B3EDB436}"/>
+              </a:ext>
+            </a:extLst>
+          </p:cNvPr>
+          <p:cNvPicPr>
+            <a:picLocks noChangeAspect="1"/>
+          </p:cNvPicPr>
+          <p:nvPr/>
+        </p:nvPicPr>
+        <p:blipFill rotWithShape="1">
+          <a:blip r:embed="rId14"/>
+          <a:srcRect l="21945" t="14492" r="38673" b="43183"/>
+          <a:stretch/>
+        </p:blipFill>
+        <p:spPr>
+          <a:xfrm>
+            <a:off x="6781937" y="3470203"/>
+            <a:ext cx="1013023" cy="994851"/>
+          </a:xfrm>
+          <a:prstGeom prst="rect">
+            <a:avLst/>
+          </a:prstGeom>
+        </p:spPr>
+      </p:pic>
+      <p:pic>
+        <p:nvPicPr>
+          <p:cNvPr id="19" name="Picture 18">
+            <a:extLst>
+              <a:ext uri="{FF2B5EF4-FFF2-40B4-BE49-F238E27FC236}">
+                <a16:creationId xmlns:a16="http://schemas.microsoft.com/office/drawing/2014/main" id="{3768039B-2DBD-ED4D-A16E-25764E1FE6A6}"/>
+              </a:ext>
+            </a:extLst>
+          </p:cNvPr>
+          <p:cNvPicPr>
+            <a:picLocks noChangeAspect="1"/>
+          </p:cNvPicPr>
+          <p:nvPr/>
+        </p:nvPicPr>
+        <p:blipFill rotWithShape="1">
+          <a:blip r:embed="rId15"/>
+          <a:srcRect l="24889" t="18833" r="37767" b="40382"/>
+          <a:stretch/>
+        </p:blipFill>
+        <p:spPr>
+          <a:xfrm>
+            <a:off x="6789519" y="4747704"/>
+            <a:ext cx="997859" cy="994851"/>
+          </a:xfrm>
+          <a:prstGeom prst="rect">
+            <a:avLst/>
+          </a:prstGeom>
+        </p:spPr>
+      </p:pic>
     </p:spTree>
     <p:extLst>
       <p:ext uri="{BB962C8B-B14F-4D97-AF65-F5344CB8AC3E}">
@@ -14164,9 +14894,42 @@
             <a:pPr algn="ctr"/>
             <a:r>
               <a:rPr lang="en-US" sz="3200" dirty="0">
+                <a:solidFill>
+                  <a:schemeClr val="tx1">
+                    <a:lumMod val="50000"/>
+                    <a:lumOff val="50000"/>
+                  </a:schemeClr>
+                </a:solidFill>
                 <a:latin typeface="Elephant Pro" pitchFamily="2" charset="0"/>
               </a:rPr>
-              <a:t>What did you learn today?</a:t>
+              <a:t>What did you </a:t>
+            </a:r>
+            <a:r>
+              <a:rPr lang="en-US" sz="3200" dirty="0">
+                <a:solidFill>
+                  <a:srgbClr val="7030A0"/>
+                </a:solidFill>
+                <a:latin typeface="Elephant Pro" pitchFamily="2" charset="0"/>
+              </a:rPr>
+              <a:t>learn</a:t>
+            </a:r>
+            <a:r>
+              <a:rPr lang="en-US" sz="3200" dirty="0">
+                <a:latin typeface="Elephant Pro" pitchFamily="2" charset="0"/>
+              </a:rPr>
+              <a:t> </a:t>
+            </a:r>
+            <a:r>
+              <a:rPr lang="en-US" sz="3200" dirty="0">
+                <a:solidFill>
+                  <a:schemeClr val="tx1">
+                    <a:lumMod val="50000"/>
+                    <a:lumOff val="50000"/>
+                  </a:schemeClr>
+                </a:solidFill>
+                <a:latin typeface="Elephant Pro" pitchFamily="2" charset="0"/>
+              </a:rPr>
+              <a:t>today?</a:t>
             </a:r>
           </a:p>
         </p:txBody>
@@ -15262,8 +16025,8 @@
           </a:xfrm>
           <a:prstGeom prst="wedgeEllipseCallout">
             <a:avLst>
-              <a:gd name="adj1" fmla="val 20449"/>
-              <a:gd name="adj2" fmla="val 63896"/>
+              <a:gd name="adj1" fmla="val 46557"/>
+              <a:gd name="adj2" fmla="val 69820"/>
             </a:avLst>
           </a:prstGeom>
           <a:solidFill>
@@ -15320,7 +16083,10 @@
             <a:ext cx="1239412" cy="549543"/>
           </a:xfrm>
           <a:prstGeom prst="cloudCallout">
-            <a:avLst/>
+            <a:avLst>
+              <a:gd name="adj1" fmla="val -32381"/>
+              <a:gd name="adj2" fmla="val 89991"/>
+            </a:avLst>
           </a:prstGeom>
           <a:solidFill>
             <a:schemeClr val="bg1"/>
@@ -15360,10 +16126,10 @@
       </p:sp>
       <p:sp>
         <p:nvSpPr>
-          <p:cNvPr id="11" name="Line Callout 1 10">
-            <a:extLst>
-              <a:ext uri="{FF2B5EF4-FFF2-40B4-BE49-F238E27FC236}">
-                <a16:creationId xmlns:a16="http://schemas.microsoft.com/office/drawing/2014/main" id="{E5A1019C-3775-D75C-5870-63C8F4319106}"/>
+          <p:cNvPr id="5" name="Explosion 2 4">
+            <a:extLst>
+              <a:ext uri="{FF2B5EF4-FFF2-40B4-BE49-F238E27FC236}">
+                <a16:creationId xmlns:a16="http://schemas.microsoft.com/office/drawing/2014/main" id="{DC15B04C-10CF-B43A-6A7E-7828B7BBD09E}"/>
               </a:ext>
             </a:extLst>
           </p:cNvPr>
@@ -15372,10 +16138,10 @@
         </p:nvSpPr>
         <p:spPr>
           <a:xfrm>
-            <a:off x="7839981" y="3054001"/>
-            <a:ext cx="724776" cy="586821"/>
-          </a:xfrm>
-          <a:prstGeom prst="borderCallout1">
+            <a:off x="7305272" y="3067045"/>
+            <a:ext cx="1431235" cy="864528"/>
+          </a:xfrm>
+          <a:prstGeom prst="irregularSeal2">
             <a:avLst/>
           </a:prstGeom>
           <a:solidFill>
@@ -15411,258 +16177,6 @@
               </a:rPr>
               <a:t>3. Type</a:t>
             </a:r>
-          </a:p>
-        </p:txBody>
-      </p:sp>
-      <p:sp>
-        <p:nvSpPr>
-          <p:cNvPr id="6" name="Freeform 5">
-            <a:extLst>
-              <a:ext uri="{FF2B5EF4-FFF2-40B4-BE49-F238E27FC236}">
-                <a16:creationId xmlns:a16="http://schemas.microsoft.com/office/drawing/2014/main" id="{3B347809-DDDA-A9EE-E3AB-C8D91ED7B5C4}"/>
-              </a:ext>
-            </a:extLst>
-          </p:cNvPr>
-          <p:cNvSpPr/>
-          <p:nvPr/>
-        </p:nvSpPr>
-        <p:spPr>
-          <a:xfrm>
-            <a:off x="5424534" y="2009806"/>
-            <a:ext cx="562131" cy="160290"/>
-          </a:xfrm>
-          <a:custGeom>
-            <a:avLst/>
-            <a:gdLst>
-              <a:gd name="connsiteX0" fmla="*/ 0 w 562131"/>
-              <a:gd name="connsiteY0" fmla="*/ 113062 h 158033"/>
-              <a:gd name="connsiteX1" fmla="*/ 337279 w 562131"/>
-              <a:gd name="connsiteY1" fmla="*/ 636 h 158033"/>
-              <a:gd name="connsiteX2" fmla="*/ 562131 w 562131"/>
-              <a:gd name="connsiteY2" fmla="*/ 158033 h 158033"/>
-              <a:gd name="connsiteX0" fmla="*/ 0 w 562131"/>
-              <a:gd name="connsiteY0" fmla="*/ 113062 h 158033"/>
-              <a:gd name="connsiteX1" fmla="*/ 337279 w 562131"/>
-              <a:gd name="connsiteY1" fmla="*/ 636 h 158033"/>
-              <a:gd name="connsiteX2" fmla="*/ 562131 w 562131"/>
-              <a:gd name="connsiteY2" fmla="*/ 158033 h 158033"/>
-              <a:gd name="connsiteX0" fmla="*/ 0 w 562131"/>
-              <a:gd name="connsiteY0" fmla="*/ 115319 h 160290"/>
-              <a:gd name="connsiteX1" fmla="*/ 337279 w 562131"/>
-              <a:gd name="connsiteY1" fmla="*/ 2893 h 160290"/>
-              <a:gd name="connsiteX2" fmla="*/ 562131 w 562131"/>
-              <a:gd name="connsiteY2" fmla="*/ 160290 h 160290"/>
-              <a:gd name="connsiteX0" fmla="*/ 0 w 562131"/>
-              <a:gd name="connsiteY0" fmla="*/ 115319 h 160290"/>
-              <a:gd name="connsiteX1" fmla="*/ 337279 w 562131"/>
-              <a:gd name="connsiteY1" fmla="*/ 2893 h 160290"/>
-              <a:gd name="connsiteX2" fmla="*/ 562131 w 562131"/>
-              <a:gd name="connsiteY2" fmla="*/ 160290 h 160290"/>
-            </a:gdLst>
-            <a:ahLst/>
-            <a:cxnLst>
-              <a:cxn ang="0">
-                <a:pos x="connsiteX0" y="connsiteY0"/>
-              </a:cxn>
-              <a:cxn ang="0">
-                <a:pos x="connsiteX1" y="connsiteY1"/>
-              </a:cxn>
-              <a:cxn ang="0">
-                <a:pos x="connsiteX2" y="connsiteY2"/>
-              </a:cxn>
-            </a:cxnLst>
-            <a:rect l="l" t="t" r="r" b="b"/>
-            <a:pathLst>
-              <a:path w="562131" h="160290">
-                <a:moveTo>
-                  <a:pt x="0" y="115319"/>
-                </a:moveTo>
-                <a:cubicBezTo>
-                  <a:pt x="121795" y="55358"/>
-                  <a:pt x="163847" y="-15234"/>
-                  <a:pt x="337279" y="2893"/>
-                </a:cubicBezTo>
-                <a:cubicBezTo>
-                  <a:pt x="553242" y="36969"/>
-                  <a:pt x="496549" y="85339"/>
-                  <a:pt x="562131" y="160290"/>
-                </a:cubicBezTo>
-              </a:path>
-            </a:pathLst>
-          </a:custGeom>
-          <a:noFill/>
-          <a:ln w="12700">
-            <a:solidFill>
-              <a:schemeClr val="bg1"/>
-            </a:solidFill>
-            <a:headEnd type="none" w="med" len="med"/>
-            <a:tailEnd type="triangle" w="med" len="med"/>
-          </a:ln>
-          <a:effectLst>
-            <a:glow rad="25332">
-              <a:schemeClr val="tx1">
-                <a:alpha val="99000"/>
-              </a:schemeClr>
-            </a:glow>
-          </a:effectLst>
-        </p:spPr>
-        <p:style>
-          <a:lnRef idx="2">
-            <a:schemeClr val="accent1">
-              <a:shade val="15000"/>
-            </a:schemeClr>
-          </a:lnRef>
-          <a:fillRef idx="1">
-            <a:schemeClr val="accent1"/>
-          </a:fillRef>
-          <a:effectRef idx="0">
-            <a:schemeClr val="accent1"/>
-          </a:effectRef>
-          <a:fontRef idx="minor">
-            <a:schemeClr val="lt1"/>
-          </a:fontRef>
-        </p:style>
-        <p:txBody>
-          <a:bodyPr rtlCol="0" anchor="ctr"/>
-          <a:lstStyle/>
-          <a:p>
-            <a:pPr algn="ctr"/>
-            <a:endParaRPr lang="en-US">
-              <a:effectLst>
-                <a:glow rad="1576796">
-                  <a:schemeClr val="tx1"/>
-                </a:glow>
-              </a:effectLst>
-            </a:endParaRPr>
-          </a:p>
-        </p:txBody>
-      </p:sp>
-      <p:sp>
-        <p:nvSpPr>
-          <p:cNvPr id="12" name="Freeform 11">
-            <a:extLst>
-              <a:ext uri="{FF2B5EF4-FFF2-40B4-BE49-F238E27FC236}">
-                <a16:creationId xmlns:a16="http://schemas.microsoft.com/office/drawing/2014/main" id="{B5BDAF95-9364-19F2-BD6E-8C025C8987E9}"/>
-              </a:ext>
-            </a:extLst>
-          </p:cNvPr>
-          <p:cNvSpPr/>
-          <p:nvPr/>
-        </p:nvSpPr>
-        <p:spPr>
-          <a:xfrm>
-            <a:off x="6742444" y="2379910"/>
-            <a:ext cx="1125657" cy="639220"/>
-          </a:xfrm>
-          <a:custGeom>
-            <a:avLst/>
-            <a:gdLst>
-              <a:gd name="connsiteX0" fmla="*/ 0 w 562131"/>
-              <a:gd name="connsiteY0" fmla="*/ 113062 h 158033"/>
-              <a:gd name="connsiteX1" fmla="*/ 337279 w 562131"/>
-              <a:gd name="connsiteY1" fmla="*/ 636 h 158033"/>
-              <a:gd name="connsiteX2" fmla="*/ 562131 w 562131"/>
-              <a:gd name="connsiteY2" fmla="*/ 158033 h 158033"/>
-              <a:gd name="connsiteX0" fmla="*/ 0 w 1125657"/>
-              <a:gd name="connsiteY0" fmla="*/ 113062 h 673712"/>
-              <a:gd name="connsiteX1" fmla="*/ 337279 w 1125657"/>
-              <a:gd name="connsiteY1" fmla="*/ 636 h 673712"/>
-              <a:gd name="connsiteX2" fmla="*/ 1125657 w 1125657"/>
-              <a:gd name="connsiteY2" fmla="*/ 673712 h 673712"/>
-              <a:gd name="connsiteX0" fmla="*/ 0 w 1125657"/>
-              <a:gd name="connsiteY0" fmla="*/ 36415 h 597065"/>
-              <a:gd name="connsiteX1" fmla="*/ 666888 w 1125657"/>
-              <a:gd name="connsiteY1" fmla="*/ 14366 h 597065"/>
-              <a:gd name="connsiteX2" fmla="*/ 1125657 w 1125657"/>
-              <a:gd name="connsiteY2" fmla="*/ 597065 h 597065"/>
-              <a:gd name="connsiteX0" fmla="*/ 0 w 1125657"/>
-              <a:gd name="connsiteY0" fmla="*/ 78570 h 639220"/>
-              <a:gd name="connsiteX1" fmla="*/ 666888 w 1125657"/>
-              <a:gd name="connsiteY1" fmla="*/ 56521 h 639220"/>
-              <a:gd name="connsiteX2" fmla="*/ 1125657 w 1125657"/>
-              <a:gd name="connsiteY2" fmla="*/ 639220 h 639220"/>
-              <a:gd name="connsiteX0" fmla="*/ 0 w 1125657"/>
-              <a:gd name="connsiteY0" fmla="*/ 78570 h 639220"/>
-              <a:gd name="connsiteX1" fmla="*/ 666888 w 1125657"/>
-              <a:gd name="connsiteY1" fmla="*/ 56521 h 639220"/>
-              <a:gd name="connsiteX2" fmla="*/ 1125657 w 1125657"/>
-              <a:gd name="connsiteY2" fmla="*/ 639220 h 639220"/>
-            </a:gdLst>
-            <a:ahLst/>
-            <a:cxnLst>
-              <a:cxn ang="0">
-                <a:pos x="connsiteX0" y="connsiteY0"/>
-              </a:cxn>
-              <a:cxn ang="0">
-                <a:pos x="connsiteX1" y="connsiteY1"/>
-              </a:cxn>
-              <a:cxn ang="0">
-                <a:pos x="connsiteX2" y="connsiteY2"/>
-              </a:cxn>
-            </a:cxnLst>
-            <a:rect l="l" t="t" r="r" b="b"/>
-            <a:pathLst>
-              <a:path w="1125657" h="639220">
-                <a:moveTo>
-                  <a:pt x="0" y="78570"/>
-                </a:moveTo>
-                <a:cubicBezTo>
-                  <a:pt x="121795" y="18609"/>
-                  <a:pt x="365865" y="-51983"/>
-                  <a:pt x="666888" y="56521"/>
-                </a:cubicBezTo>
-                <a:cubicBezTo>
-                  <a:pt x="1037022" y="244770"/>
-                  <a:pt x="1060075" y="564269"/>
-                  <a:pt x="1125657" y="639220"/>
-                </a:cubicBezTo>
-              </a:path>
-            </a:pathLst>
-          </a:custGeom>
-          <a:noFill/>
-          <a:ln w="12700">
-            <a:solidFill>
-              <a:schemeClr val="bg1"/>
-            </a:solidFill>
-            <a:headEnd type="none" w="med" len="med"/>
-            <a:tailEnd type="triangle" w="med" len="med"/>
-          </a:ln>
-          <a:effectLst>
-            <a:glow rad="25332">
-              <a:schemeClr val="tx1">
-                <a:alpha val="99000"/>
-              </a:schemeClr>
-            </a:glow>
-          </a:effectLst>
-        </p:spPr>
-        <p:style>
-          <a:lnRef idx="2">
-            <a:schemeClr val="accent1">
-              <a:shade val="15000"/>
-            </a:schemeClr>
-          </a:lnRef>
-          <a:fillRef idx="1">
-            <a:schemeClr val="accent1"/>
-          </a:fillRef>
-          <a:effectRef idx="0">
-            <a:schemeClr val="accent1"/>
-          </a:effectRef>
-          <a:fontRef idx="minor">
-            <a:schemeClr val="lt1"/>
-          </a:fontRef>
-        </p:style>
-        <p:txBody>
-          <a:bodyPr rtlCol="0" anchor="ctr"/>
-          <a:lstStyle/>
-          <a:p>
-            <a:pPr algn="ctr"/>
-            <a:endParaRPr lang="en-US">
-              <a:effectLst>
-                <a:glow rad="1576796">
-                  <a:schemeClr val="tx1"/>
-                </a:glow>
-              </a:effectLst>
-            </a:endParaRPr>
           </a:p>
         </p:txBody>
       </p:sp>
@@ -16709,7 +17223,7 @@
                   </a:solidFill>
                   <a:latin typeface="Bradley Hand" pitchFamily="2" charset="77"/>
                 </a:rPr>
-                <a:t>We didn’t analysis the work schedule</a:t>
+                <a:t>We didn’t analyze the work schedule</a:t>
               </a:r>
             </a:p>
           </p:txBody>
@@ -17480,6 +17994,180 @@
           </a:p>
         </p:txBody>
       </p:sp>
+      <p:sp>
+        <p:nvSpPr>
+          <p:cNvPr id="2" name="PASS">
+            <a:extLst>
+              <a:ext uri="{FF2B5EF4-FFF2-40B4-BE49-F238E27FC236}">
+                <a16:creationId xmlns:a16="http://schemas.microsoft.com/office/drawing/2014/main" id="{83A0A341-6269-991A-00DE-772C49ED9A58}"/>
+              </a:ext>
+            </a:extLst>
+          </p:cNvPr>
+          <p:cNvSpPr txBox="1"/>
+          <p:nvPr/>
+        </p:nvSpPr>
+        <p:spPr>
+          <a:xfrm>
+            <a:off x="5065864" y="5146620"/>
+            <a:ext cx="1158096" cy="275717"/>
+          </a:xfrm>
+          <a:prstGeom prst="rect">
+            <a:avLst/>
+          </a:prstGeom>
+          <a:noFill/>
+        </p:spPr>
+        <p:txBody>
+          <a:bodyPr wrap="square" rtlCol="0">
+            <a:spAutoFit/>
+          </a:bodyPr>
+          <a:lstStyle/>
+          <a:p>
+            <a:pPr algn="ctr">
+              <a:lnSpc>
+                <a:spcPct val="70000"/>
+              </a:lnSpc>
+            </a:pPr>
+            <a:r>
+              <a:rPr lang="en-US" sz="1600" b="1" dirty="0">
+                <a:solidFill>
+                  <a:schemeClr val="tx1">
+                    <a:lumMod val="95000"/>
+                    <a:lumOff val="5000"/>
+                  </a:schemeClr>
+                </a:solidFill>
+              </a:rPr>
+              <a:t>Talker</a:t>
+            </a:r>
+            <a:r>
+              <a:rPr lang="en-US" sz="1400" i="1" dirty="0">
+                <a:solidFill>
+                  <a:schemeClr val="tx1">
+                    <a:lumMod val="50000"/>
+                    <a:lumOff val="50000"/>
+                  </a:schemeClr>
+                </a:solidFill>
+              </a:rPr>
+              <a:t> </a:t>
+            </a:r>
+          </a:p>
+        </p:txBody>
+      </p:sp>
+      <p:sp>
+        <p:nvSpPr>
+          <p:cNvPr id="5" name="PASS">
+            <a:extLst>
+              <a:ext uri="{FF2B5EF4-FFF2-40B4-BE49-F238E27FC236}">
+                <a16:creationId xmlns:a16="http://schemas.microsoft.com/office/drawing/2014/main" id="{5E385641-38AF-52DD-EE60-5873996A6B98}"/>
+              </a:ext>
+            </a:extLst>
+          </p:cNvPr>
+          <p:cNvSpPr txBox="1"/>
+          <p:nvPr/>
+        </p:nvSpPr>
+        <p:spPr>
+          <a:xfrm>
+            <a:off x="6745757" y="4197055"/>
+            <a:ext cx="1158096" cy="275717"/>
+          </a:xfrm>
+          <a:prstGeom prst="rect">
+            <a:avLst/>
+          </a:prstGeom>
+          <a:noFill/>
+        </p:spPr>
+        <p:txBody>
+          <a:bodyPr wrap="square" rtlCol="0">
+            <a:spAutoFit/>
+          </a:bodyPr>
+          <a:lstStyle/>
+          <a:p>
+            <a:pPr algn="ctr">
+              <a:lnSpc>
+                <a:spcPct val="70000"/>
+              </a:lnSpc>
+            </a:pPr>
+            <a:r>
+              <a:rPr lang="en-US" sz="1600" b="1" dirty="0" err="1">
+                <a:solidFill>
+                  <a:schemeClr val="tx1">
+                    <a:lumMod val="95000"/>
+                    <a:lumOff val="5000"/>
+                  </a:schemeClr>
+                </a:solidFill>
+              </a:rPr>
+              <a:t>Typer</a:t>
+            </a:r>
+            <a:r>
+              <a:rPr lang="en-US" sz="1400" i="1" dirty="0">
+                <a:solidFill>
+                  <a:schemeClr val="tx1">
+                    <a:lumMod val="50000"/>
+                    <a:lumOff val="50000"/>
+                  </a:schemeClr>
+                </a:solidFill>
+              </a:rPr>
+              <a:t> </a:t>
+            </a:r>
+          </a:p>
+        </p:txBody>
+      </p:sp>
+      <p:sp>
+        <p:nvSpPr>
+          <p:cNvPr id="6" name="PASS">
+            <a:extLst>
+              <a:ext uri="{FF2B5EF4-FFF2-40B4-BE49-F238E27FC236}">
+                <a16:creationId xmlns:a16="http://schemas.microsoft.com/office/drawing/2014/main" id="{0A4AD146-6CA2-CFF9-8D77-3FBF1C1302F6}"/>
+              </a:ext>
+            </a:extLst>
+          </p:cNvPr>
+          <p:cNvSpPr txBox="1"/>
+          <p:nvPr/>
+        </p:nvSpPr>
+        <p:spPr>
+          <a:xfrm>
+            <a:off x="6839994" y="5931216"/>
+            <a:ext cx="1158096" cy="275717"/>
+          </a:xfrm>
+          <a:prstGeom prst="rect">
+            <a:avLst/>
+          </a:prstGeom>
+          <a:noFill/>
+        </p:spPr>
+        <p:txBody>
+          <a:bodyPr wrap="square" rtlCol="0">
+            <a:spAutoFit/>
+          </a:bodyPr>
+          <a:lstStyle/>
+          <a:p>
+            <a:pPr algn="ctr">
+              <a:lnSpc>
+                <a:spcPct val="70000"/>
+              </a:lnSpc>
+            </a:pPr>
+            <a:r>
+              <a:rPr lang="en-US" sz="1600" b="1" dirty="0">
+                <a:solidFill>
+                  <a:schemeClr val="tx1">
+                    <a:lumMod val="95000"/>
+                    <a:lumOff val="5000"/>
+                  </a:schemeClr>
+                </a:solidFill>
+              </a:rPr>
+              <a:t>Observer</a:t>
+            </a:r>
+            <a:r>
+              <a:rPr lang="en-US" sz="1400" i="1" dirty="0">
+                <a:solidFill>
+                  <a:schemeClr val="tx1">
+                    <a:lumMod val="50000"/>
+                    <a:lumOff val="50000"/>
+                  </a:schemeClr>
+                </a:solidFill>
+              </a:rPr>
+              <a:t> </a:t>
+            </a:r>
+          </a:p>
+        </p:txBody>
+      </p:sp>
     </p:spTree>
     <p:extLst>
       <p:ext uri="{BB962C8B-B14F-4D97-AF65-F5344CB8AC3E}">
@@ -17554,7 +18242,7 @@
         </p:nvSpPr>
         <p:spPr>
           <a:xfrm>
-            <a:off x="2533472" y="5776285"/>
+            <a:off x="2722658" y="582042"/>
             <a:ext cx="4077054" cy="584775"/>
           </a:xfrm>
           <a:prstGeom prst="rect">
@@ -17655,8 +18343,8 @@
         </p:nvSpPr>
         <p:spPr>
           <a:xfrm>
-            <a:off x="3971675" y="4221028"/>
-            <a:ext cx="1388379" cy="523220"/>
+            <a:off x="3927821" y="4221028"/>
+            <a:ext cx="1476088" cy="523220"/>
           </a:xfrm>
           <a:prstGeom prst="rect">
             <a:avLst/>
@@ -17686,7 +18374,7 @@
                   </a:outerShdw>
                 </a:effectLst>
               </a:rPr>
-              <a:t>Timer</a:t>
+              <a:t>On Time</a:t>
             </a:r>
             <a:endParaRPr lang="en-US" sz="2800" b="1" dirty="0">
               <a:solidFill>
@@ -18139,8 +18827,8 @@
         </p:nvSpPr>
         <p:spPr>
           <a:xfrm>
-            <a:off x="2732014" y="2465492"/>
-            <a:ext cx="5387009" cy="2062103"/>
+            <a:off x="2742524" y="1905506"/>
+            <a:ext cx="5387009" cy="3046988"/>
           </a:xfrm>
           <a:prstGeom prst="rect">
             <a:avLst/>
@@ -18155,7 +18843,7 @@
           <a:p>
             <a:pPr algn="ctr"/>
             <a:r>
-              <a:rPr lang="en-US" sz="3200" dirty="0">
+              <a:rPr lang="en-US" sz="4800" dirty="0">
                 <a:latin typeface="Charmonman" pitchFamily="2" charset="-34"/>
                 <a:cs typeface="Charmonman" pitchFamily="2" charset="-34"/>
               </a:rPr>
@@ -18165,7 +18853,7 @@
           <a:p>
             <a:pPr algn="ctr"/>
             <a:r>
-              <a:rPr lang="en-US" sz="3200" dirty="0">
+              <a:rPr lang="en-US" sz="4800" dirty="0">
                 <a:latin typeface="Charmonman" pitchFamily="2" charset="-34"/>
                 <a:cs typeface="Charmonman" pitchFamily="2" charset="-34"/>
               </a:rPr>
@@ -18175,7 +18863,7 @@
           <a:p>
             <a:pPr algn="ctr"/>
             <a:r>
-              <a:rPr lang="en-US" sz="2400" dirty="0">
+              <a:rPr lang="en-US" sz="4000" dirty="0">
                 <a:solidFill>
                   <a:schemeClr val="tx1">
                     <a:lumMod val="50000"/>
@@ -18188,7 +18876,7 @@
               <a:t>and</a:t>
             </a:r>
             <a:r>
-              <a:rPr lang="en-US" sz="3200" dirty="0">
+              <a:rPr lang="en-US" sz="4800" dirty="0">
                 <a:latin typeface="Charmonman" pitchFamily="2" charset="-34"/>
                 <a:cs typeface="Charmonman" pitchFamily="2" charset="-34"/>
               </a:rPr>
@@ -18198,7 +18886,7 @@
           <a:p>
             <a:pPr algn="ctr"/>
             <a:r>
-              <a:rPr lang="en-US" sz="3200" dirty="0">
+              <a:rPr lang="en-US" sz="4800" dirty="0">
                 <a:latin typeface="Charmonman" pitchFamily="2" charset="-34"/>
                 <a:cs typeface="Charmonman" pitchFamily="2" charset="-34"/>
               </a:rPr>
